--- a/attendanceManagementDiagram.pptx
+++ b/attendanceManagementDiagram.pptx
@@ -14,6 +14,7 @@
     <p:sldId id="262" r:id="rId8"/>
     <p:sldId id="261" r:id="rId9"/>
     <p:sldId id="264" r:id="rId10"/>
+    <p:sldId id="265" r:id="rId11"/>
   </p:sldIdLst>
   <p:sldSz cx="12192000" cy="6858000"/>
   <p:notesSz cx="6858000" cy="9144000"/>
@@ -267,7 +268,7 @@
           <a:p>
             <a:fld id="{A276E93D-C1B2-475A-A0E3-134825776C94}" type="datetimeFigureOut">
               <a:rPr kumimoji="1" lang="ja-JP" altLang="en-US" smtClean="0"/>
-              <a:t>2021/1/4</a:t>
+              <a:t>2021/1/14</a:t>
             </a:fld>
             <a:endParaRPr kumimoji="1" lang="ja-JP" altLang="en-US"/>
           </a:p>
@@ -497,7 +498,7 @@
           <a:p>
             <a:fld id="{A276E93D-C1B2-475A-A0E3-134825776C94}" type="datetimeFigureOut">
               <a:rPr kumimoji="1" lang="ja-JP" altLang="en-US" smtClean="0"/>
-              <a:t>2021/1/4</a:t>
+              <a:t>2021/1/14</a:t>
             </a:fld>
             <a:endParaRPr kumimoji="1" lang="ja-JP" altLang="en-US"/>
           </a:p>
@@ -737,7 +738,7 @@
           <a:p>
             <a:fld id="{A276E93D-C1B2-475A-A0E3-134825776C94}" type="datetimeFigureOut">
               <a:rPr kumimoji="1" lang="ja-JP" altLang="en-US" smtClean="0"/>
-              <a:t>2021/1/4</a:t>
+              <a:t>2021/1/14</a:t>
             </a:fld>
             <a:endParaRPr kumimoji="1" lang="ja-JP" altLang="en-US"/>
           </a:p>
@@ -967,7 +968,7 @@
           <a:p>
             <a:fld id="{A276E93D-C1B2-475A-A0E3-134825776C94}" type="datetimeFigureOut">
               <a:rPr kumimoji="1" lang="ja-JP" altLang="en-US" smtClean="0"/>
-              <a:t>2021/1/4</a:t>
+              <a:t>2021/1/14</a:t>
             </a:fld>
             <a:endParaRPr kumimoji="1" lang="ja-JP" altLang="en-US"/>
           </a:p>
@@ -1242,7 +1243,7 @@
           <a:p>
             <a:fld id="{A276E93D-C1B2-475A-A0E3-134825776C94}" type="datetimeFigureOut">
               <a:rPr kumimoji="1" lang="ja-JP" altLang="en-US" smtClean="0"/>
-              <a:t>2021/1/4</a:t>
+              <a:t>2021/1/14</a:t>
             </a:fld>
             <a:endParaRPr kumimoji="1" lang="ja-JP" altLang="en-US"/>
           </a:p>
@@ -1571,7 +1572,7 @@
           <a:p>
             <a:fld id="{A276E93D-C1B2-475A-A0E3-134825776C94}" type="datetimeFigureOut">
               <a:rPr kumimoji="1" lang="ja-JP" altLang="en-US" smtClean="0"/>
-              <a:t>2021/1/4</a:t>
+              <a:t>2021/1/14</a:t>
             </a:fld>
             <a:endParaRPr kumimoji="1" lang="ja-JP" altLang="en-US"/>
           </a:p>
@@ -2047,7 +2048,7 @@
           <a:p>
             <a:fld id="{A276E93D-C1B2-475A-A0E3-134825776C94}" type="datetimeFigureOut">
               <a:rPr kumimoji="1" lang="ja-JP" altLang="en-US" smtClean="0"/>
-              <a:t>2021/1/4</a:t>
+              <a:t>2021/1/14</a:t>
             </a:fld>
             <a:endParaRPr kumimoji="1" lang="ja-JP" altLang="en-US"/>
           </a:p>
@@ -2188,7 +2189,7 @@
           <a:p>
             <a:fld id="{A276E93D-C1B2-475A-A0E3-134825776C94}" type="datetimeFigureOut">
               <a:rPr kumimoji="1" lang="ja-JP" altLang="en-US" smtClean="0"/>
-              <a:t>2021/1/4</a:t>
+              <a:t>2021/1/14</a:t>
             </a:fld>
             <a:endParaRPr kumimoji="1" lang="ja-JP" altLang="en-US"/>
           </a:p>
@@ -2301,7 +2302,7 @@
           <a:p>
             <a:fld id="{A276E93D-C1B2-475A-A0E3-134825776C94}" type="datetimeFigureOut">
               <a:rPr kumimoji="1" lang="ja-JP" altLang="en-US" smtClean="0"/>
-              <a:t>2021/1/4</a:t>
+              <a:t>2021/1/14</a:t>
             </a:fld>
             <a:endParaRPr kumimoji="1" lang="ja-JP" altLang="en-US"/>
           </a:p>
@@ -2644,7 +2645,7 @@
           <a:p>
             <a:fld id="{A276E93D-C1B2-475A-A0E3-134825776C94}" type="datetimeFigureOut">
               <a:rPr kumimoji="1" lang="ja-JP" altLang="en-US" smtClean="0"/>
-              <a:t>2021/1/4</a:t>
+              <a:t>2021/1/14</a:t>
             </a:fld>
             <a:endParaRPr kumimoji="1" lang="ja-JP" altLang="en-US"/>
           </a:p>
@@ -2932,7 +2933,7 @@
           <a:p>
             <a:fld id="{A276E93D-C1B2-475A-A0E3-134825776C94}" type="datetimeFigureOut">
               <a:rPr kumimoji="1" lang="ja-JP" altLang="en-US" smtClean="0"/>
-              <a:t>2021/1/4</a:t>
+              <a:t>2021/1/14</a:t>
             </a:fld>
             <a:endParaRPr kumimoji="1" lang="ja-JP" altLang="en-US"/>
           </a:p>
@@ -3205,7 +3206,7 @@
           <a:p>
             <a:fld id="{A276E93D-C1B2-475A-A0E3-134825776C94}" type="datetimeFigureOut">
               <a:rPr kumimoji="1" lang="ja-JP" altLang="en-US" smtClean="0"/>
-              <a:t>2021/1/4</a:t>
+              <a:t>2021/1/14</a:t>
             </a:fld>
             <a:endParaRPr kumimoji="1" lang="ja-JP" altLang="en-US"/>
           </a:p>
@@ -3670,6 +3671,2750 @@
 </p:sld>
 </file>
 
+<file path=ppt/slides/slide10.xml><?xml version="1.0" encoding="utf-8"?>
+<p:sld xmlns:a="http://schemas.openxmlformats.org/drawingml/2006/main" xmlns:r="http://schemas.openxmlformats.org/officeDocument/2006/relationships" xmlns:p="http://schemas.openxmlformats.org/presentationml/2006/main">
+  <p:cSld>
+    <p:spTree>
+      <p:nvGrpSpPr>
+        <p:cNvPr id="1" name=""/>
+        <p:cNvGrpSpPr/>
+        <p:nvPr/>
+      </p:nvGrpSpPr>
+      <p:grpSpPr>
+        <a:xfrm>
+          <a:off x="0" y="0"/>
+          <a:ext cx="0" cy="0"/>
+          <a:chOff x="0" y="0"/>
+          <a:chExt cx="0" cy="0"/>
+        </a:xfrm>
+      </p:grpSpPr>
+      <p:sp>
+        <p:nvSpPr>
+          <p:cNvPr id="2" name="タイトル 1">
+            <a:extLst>
+              <a:ext uri="{FF2B5EF4-FFF2-40B4-BE49-F238E27FC236}">
+                <a16:creationId xmlns:a16="http://schemas.microsoft.com/office/drawing/2014/main" id="{867F9D7B-836E-428A-A90F-823C880B86FB}"/>
+              </a:ext>
+            </a:extLst>
+          </p:cNvPr>
+          <p:cNvSpPr>
+            <a:spLocks noGrp="1"/>
+          </p:cNvSpPr>
+          <p:nvPr>
+            <p:ph type="ctrTitle"/>
+          </p:nvPr>
+        </p:nvSpPr>
+        <p:spPr>
+          <a:xfrm>
+            <a:off x="1587604" y="218675"/>
+            <a:ext cx="9144000" cy="755374"/>
+          </a:xfrm>
+        </p:spPr>
+        <p:txBody>
+          <a:bodyPr>
+            <a:noAutofit/>
+          </a:bodyPr>
+          <a:lstStyle/>
+          <a:p>
+            <a:r>
+              <a:rPr kumimoji="1" lang="ja-JP" altLang="en-US" sz="4400" b="1" dirty="0"/>
+              <a:t>出退勤管理回路図</a:t>
+            </a:r>
+          </a:p>
+        </p:txBody>
+      </p:sp>
+      <p:sp>
+        <p:nvSpPr>
+          <p:cNvPr id="3" name="正方形/長方形 2">
+            <a:extLst>
+              <a:ext uri="{FF2B5EF4-FFF2-40B4-BE49-F238E27FC236}">
+                <a16:creationId xmlns:a16="http://schemas.microsoft.com/office/drawing/2014/main" id="{A99C9B10-E307-462B-9E75-4FE993F56A86}"/>
+              </a:ext>
+            </a:extLst>
+          </p:cNvPr>
+          <p:cNvSpPr/>
+          <p:nvPr/>
+        </p:nvSpPr>
+        <p:spPr>
+          <a:xfrm>
+            <a:off x="3113903" y="2026508"/>
+            <a:ext cx="271848" cy="247135"/>
+          </a:xfrm>
+          <a:prstGeom prst="rect">
+            <a:avLst/>
+          </a:prstGeom>
+          <a:noFill/>
+        </p:spPr>
+        <p:style>
+          <a:lnRef idx="2">
+            <a:schemeClr val="accent1">
+              <a:shade val="50000"/>
+            </a:schemeClr>
+          </a:lnRef>
+          <a:fillRef idx="1">
+            <a:schemeClr val="accent1"/>
+          </a:fillRef>
+          <a:effectRef idx="0">
+            <a:schemeClr val="accent1"/>
+          </a:effectRef>
+          <a:fontRef idx="minor">
+            <a:schemeClr val="lt1"/>
+          </a:fontRef>
+        </p:style>
+        <p:txBody>
+          <a:bodyPr rtlCol="0" anchor="ctr"/>
+          <a:lstStyle/>
+          <a:p>
+            <a:pPr algn="ctr"/>
+            <a:r>
+              <a:rPr kumimoji="1" lang="en-US" altLang="ja-JP" dirty="0">
+                <a:solidFill>
+                  <a:schemeClr val="tx1"/>
+                </a:solidFill>
+              </a:rPr>
+              <a:t>S</a:t>
+            </a:r>
+            <a:endParaRPr kumimoji="1" lang="ja-JP" altLang="en-US" dirty="0">
+              <a:solidFill>
+                <a:schemeClr val="tx1"/>
+              </a:solidFill>
+            </a:endParaRPr>
+          </a:p>
+        </p:txBody>
+      </p:sp>
+      <p:sp>
+        <p:nvSpPr>
+          <p:cNvPr id="4" name="楕円 3">
+            <a:extLst>
+              <a:ext uri="{FF2B5EF4-FFF2-40B4-BE49-F238E27FC236}">
+                <a16:creationId xmlns:a16="http://schemas.microsoft.com/office/drawing/2014/main" id="{54E2E0E4-9747-4F66-B4E9-55E7B2DD0A41}"/>
+              </a:ext>
+            </a:extLst>
+          </p:cNvPr>
+          <p:cNvSpPr/>
+          <p:nvPr/>
+        </p:nvSpPr>
+        <p:spPr>
+          <a:xfrm>
+            <a:off x="8612681" y="2014151"/>
+            <a:ext cx="271848" cy="271848"/>
+          </a:xfrm>
+          <a:prstGeom prst="ellipse">
+            <a:avLst/>
+          </a:prstGeom>
+        </p:spPr>
+        <p:style>
+          <a:lnRef idx="2">
+            <a:schemeClr val="accent1">
+              <a:shade val="50000"/>
+            </a:schemeClr>
+          </a:lnRef>
+          <a:fillRef idx="1">
+            <a:schemeClr val="accent1"/>
+          </a:fillRef>
+          <a:effectRef idx="0">
+            <a:schemeClr val="accent1"/>
+          </a:effectRef>
+          <a:fontRef idx="minor">
+            <a:schemeClr val="lt1"/>
+          </a:fontRef>
+        </p:style>
+        <p:txBody>
+          <a:bodyPr rtlCol="0" anchor="ctr"/>
+          <a:lstStyle/>
+          <a:p>
+            <a:pPr algn="ctr"/>
+            <a:endParaRPr kumimoji="1" lang="ja-JP" altLang="en-US"/>
+          </a:p>
+        </p:txBody>
+      </p:sp>
+      <p:sp>
+        <p:nvSpPr>
+          <p:cNvPr id="50" name="楕円 49">
+            <a:extLst>
+              <a:ext uri="{FF2B5EF4-FFF2-40B4-BE49-F238E27FC236}">
+                <a16:creationId xmlns:a16="http://schemas.microsoft.com/office/drawing/2014/main" id="{73EA8FA4-5037-4B75-AA03-28B79EAA2BC5}"/>
+              </a:ext>
+            </a:extLst>
+          </p:cNvPr>
+          <p:cNvSpPr/>
+          <p:nvPr/>
+        </p:nvSpPr>
+        <p:spPr>
+          <a:xfrm>
+            <a:off x="8612681" y="2483708"/>
+            <a:ext cx="271848" cy="271848"/>
+          </a:xfrm>
+          <a:prstGeom prst="ellipse">
+            <a:avLst/>
+          </a:prstGeom>
+        </p:spPr>
+        <p:style>
+          <a:lnRef idx="2">
+            <a:schemeClr val="accent1">
+              <a:shade val="50000"/>
+            </a:schemeClr>
+          </a:lnRef>
+          <a:fillRef idx="1">
+            <a:schemeClr val="accent1"/>
+          </a:fillRef>
+          <a:effectRef idx="0">
+            <a:schemeClr val="accent1"/>
+          </a:effectRef>
+          <a:fontRef idx="minor">
+            <a:schemeClr val="lt1"/>
+          </a:fontRef>
+        </p:style>
+        <p:txBody>
+          <a:bodyPr rtlCol="0" anchor="ctr"/>
+          <a:lstStyle/>
+          <a:p>
+            <a:pPr algn="ctr"/>
+            <a:endParaRPr kumimoji="1" lang="ja-JP" altLang="en-US"/>
+          </a:p>
+        </p:txBody>
+      </p:sp>
+      <p:sp>
+        <p:nvSpPr>
+          <p:cNvPr id="51" name="楕円 50">
+            <a:extLst>
+              <a:ext uri="{FF2B5EF4-FFF2-40B4-BE49-F238E27FC236}">
+                <a16:creationId xmlns:a16="http://schemas.microsoft.com/office/drawing/2014/main" id="{FA355F6D-5DA4-40CA-9D0A-35253FE38F6C}"/>
+              </a:ext>
+            </a:extLst>
+          </p:cNvPr>
+          <p:cNvSpPr/>
+          <p:nvPr/>
+        </p:nvSpPr>
+        <p:spPr>
+          <a:xfrm>
+            <a:off x="8612681" y="2953265"/>
+            <a:ext cx="271848" cy="271848"/>
+          </a:xfrm>
+          <a:prstGeom prst="ellipse">
+            <a:avLst/>
+          </a:prstGeom>
+        </p:spPr>
+        <p:style>
+          <a:lnRef idx="2">
+            <a:schemeClr val="accent1">
+              <a:shade val="50000"/>
+            </a:schemeClr>
+          </a:lnRef>
+          <a:fillRef idx="1">
+            <a:schemeClr val="accent1"/>
+          </a:fillRef>
+          <a:effectRef idx="0">
+            <a:schemeClr val="accent1"/>
+          </a:effectRef>
+          <a:fontRef idx="minor">
+            <a:schemeClr val="lt1"/>
+          </a:fontRef>
+        </p:style>
+        <p:txBody>
+          <a:bodyPr rtlCol="0" anchor="ctr"/>
+          <a:lstStyle/>
+          <a:p>
+            <a:pPr algn="ctr"/>
+            <a:endParaRPr kumimoji="1" lang="ja-JP" altLang="en-US"/>
+          </a:p>
+        </p:txBody>
+      </p:sp>
+      <p:sp>
+        <p:nvSpPr>
+          <p:cNvPr id="52" name="楕円 51">
+            <a:extLst>
+              <a:ext uri="{FF2B5EF4-FFF2-40B4-BE49-F238E27FC236}">
+                <a16:creationId xmlns:a16="http://schemas.microsoft.com/office/drawing/2014/main" id="{F1294FF1-E727-4C11-9B7C-6D43A578967B}"/>
+              </a:ext>
+            </a:extLst>
+          </p:cNvPr>
+          <p:cNvSpPr/>
+          <p:nvPr/>
+        </p:nvSpPr>
+        <p:spPr>
+          <a:xfrm>
+            <a:off x="8612681" y="3416643"/>
+            <a:ext cx="271848" cy="271848"/>
+          </a:xfrm>
+          <a:prstGeom prst="ellipse">
+            <a:avLst/>
+          </a:prstGeom>
+        </p:spPr>
+        <p:style>
+          <a:lnRef idx="2">
+            <a:schemeClr val="accent1">
+              <a:shade val="50000"/>
+            </a:schemeClr>
+          </a:lnRef>
+          <a:fillRef idx="1">
+            <a:schemeClr val="accent1"/>
+          </a:fillRef>
+          <a:effectRef idx="0">
+            <a:schemeClr val="accent1"/>
+          </a:effectRef>
+          <a:fontRef idx="minor">
+            <a:schemeClr val="lt1"/>
+          </a:fontRef>
+        </p:style>
+        <p:txBody>
+          <a:bodyPr rtlCol="0" anchor="ctr"/>
+          <a:lstStyle/>
+          <a:p>
+            <a:pPr algn="ctr"/>
+            <a:endParaRPr kumimoji="1" lang="ja-JP" altLang="en-US"/>
+          </a:p>
+        </p:txBody>
+      </p:sp>
+      <p:sp>
+        <p:nvSpPr>
+          <p:cNvPr id="53" name="楕円 52">
+            <a:extLst>
+              <a:ext uri="{FF2B5EF4-FFF2-40B4-BE49-F238E27FC236}">
+                <a16:creationId xmlns:a16="http://schemas.microsoft.com/office/drawing/2014/main" id="{5377D147-36CB-4F4E-89C7-63C9EA20C884}"/>
+              </a:ext>
+            </a:extLst>
+          </p:cNvPr>
+          <p:cNvSpPr/>
+          <p:nvPr/>
+        </p:nvSpPr>
+        <p:spPr>
+          <a:xfrm>
+            <a:off x="8612681" y="3880021"/>
+            <a:ext cx="271848" cy="271848"/>
+          </a:xfrm>
+          <a:prstGeom prst="ellipse">
+            <a:avLst/>
+          </a:prstGeom>
+          <a:solidFill>
+            <a:srgbClr val="00B050"/>
+          </a:solidFill>
+        </p:spPr>
+        <p:style>
+          <a:lnRef idx="2">
+            <a:schemeClr val="accent1">
+              <a:shade val="50000"/>
+            </a:schemeClr>
+          </a:lnRef>
+          <a:fillRef idx="1">
+            <a:schemeClr val="accent1"/>
+          </a:fillRef>
+          <a:effectRef idx="0">
+            <a:schemeClr val="accent1"/>
+          </a:effectRef>
+          <a:fontRef idx="minor">
+            <a:schemeClr val="lt1"/>
+          </a:fontRef>
+        </p:style>
+        <p:txBody>
+          <a:bodyPr rtlCol="0" anchor="ctr"/>
+          <a:lstStyle/>
+          <a:p>
+            <a:pPr algn="ctr"/>
+            <a:endParaRPr kumimoji="1" lang="ja-JP" altLang="en-US" dirty="0"/>
+          </a:p>
+        </p:txBody>
+      </p:sp>
+      <p:sp>
+        <p:nvSpPr>
+          <p:cNvPr id="56" name="楕円 55">
+            <a:extLst>
+              <a:ext uri="{FF2B5EF4-FFF2-40B4-BE49-F238E27FC236}">
+                <a16:creationId xmlns:a16="http://schemas.microsoft.com/office/drawing/2014/main" id="{868C652D-6C95-4223-89E0-9F9960641537}"/>
+              </a:ext>
+            </a:extLst>
+          </p:cNvPr>
+          <p:cNvSpPr/>
+          <p:nvPr/>
+        </p:nvSpPr>
+        <p:spPr>
+          <a:xfrm>
+            <a:off x="8612681" y="4343399"/>
+            <a:ext cx="271848" cy="271848"/>
+          </a:xfrm>
+          <a:prstGeom prst="ellipse">
+            <a:avLst/>
+          </a:prstGeom>
+          <a:solidFill>
+            <a:srgbClr val="FF0000"/>
+          </a:solidFill>
+        </p:spPr>
+        <p:style>
+          <a:lnRef idx="2">
+            <a:schemeClr val="accent1">
+              <a:shade val="50000"/>
+            </a:schemeClr>
+          </a:lnRef>
+          <a:fillRef idx="1">
+            <a:schemeClr val="accent1"/>
+          </a:fillRef>
+          <a:effectRef idx="0">
+            <a:schemeClr val="accent1"/>
+          </a:effectRef>
+          <a:fontRef idx="minor">
+            <a:schemeClr val="lt1"/>
+          </a:fontRef>
+        </p:style>
+        <p:txBody>
+          <a:bodyPr rtlCol="0" anchor="ctr"/>
+          <a:lstStyle/>
+          <a:p>
+            <a:pPr algn="ctr"/>
+            <a:endParaRPr kumimoji="1" lang="ja-JP" altLang="en-US"/>
+          </a:p>
+        </p:txBody>
+      </p:sp>
+      <p:cxnSp>
+        <p:nvCxnSpPr>
+          <p:cNvPr id="6" name="直線コネクタ 5">
+            <a:extLst>
+              <a:ext uri="{FF2B5EF4-FFF2-40B4-BE49-F238E27FC236}">
+                <a16:creationId xmlns:a16="http://schemas.microsoft.com/office/drawing/2014/main" id="{964EAE28-0EA6-4901-B656-0A5DDEDF343B}"/>
+              </a:ext>
+            </a:extLst>
+          </p:cNvPr>
+          <p:cNvCxnSpPr>
+            <a:endCxn id="3" idx="1"/>
+          </p:cNvCxnSpPr>
+          <p:nvPr/>
+        </p:nvCxnSpPr>
+        <p:spPr>
+          <a:xfrm>
+            <a:off x="2236573" y="2150075"/>
+            <a:ext cx="877330" cy="1"/>
+          </a:xfrm>
+          <a:prstGeom prst="line">
+            <a:avLst/>
+          </a:prstGeom>
+        </p:spPr>
+        <p:style>
+          <a:lnRef idx="1">
+            <a:schemeClr val="accent1"/>
+          </a:lnRef>
+          <a:fillRef idx="0">
+            <a:schemeClr val="accent1"/>
+          </a:fillRef>
+          <a:effectRef idx="0">
+            <a:schemeClr val="accent1"/>
+          </a:effectRef>
+          <a:fontRef idx="minor">
+            <a:schemeClr val="tx1"/>
+          </a:fontRef>
+        </p:style>
+      </p:cxnSp>
+      <p:cxnSp>
+        <p:nvCxnSpPr>
+          <p:cNvPr id="8" name="直線コネクタ 7">
+            <a:extLst>
+              <a:ext uri="{FF2B5EF4-FFF2-40B4-BE49-F238E27FC236}">
+                <a16:creationId xmlns:a16="http://schemas.microsoft.com/office/drawing/2014/main" id="{C6DFEFE1-A26B-4E26-A8CC-2A5D8207AECC}"/>
+              </a:ext>
+            </a:extLst>
+          </p:cNvPr>
+          <p:cNvCxnSpPr>
+            <a:cxnSpLocks/>
+          </p:cNvCxnSpPr>
+          <p:nvPr/>
+        </p:nvCxnSpPr>
+        <p:spPr>
+          <a:xfrm>
+            <a:off x="3385751" y="2150075"/>
+            <a:ext cx="914400" cy="0"/>
+          </a:xfrm>
+          <a:prstGeom prst="line">
+            <a:avLst/>
+          </a:prstGeom>
+        </p:spPr>
+        <p:style>
+          <a:lnRef idx="1">
+            <a:schemeClr val="accent1"/>
+          </a:lnRef>
+          <a:fillRef idx="0">
+            <a:schemeClr val="accent1"/>
+          </a:fillRef>
+          <a:effectRef idx="0">
+            <a:schemeClr val="accent1"/>
+          </a:effectRef>
+          <a:fontRef idx="minor">
+            <a:schemeClr val="tx1"/>
+          </a:fontRef>
+        </p:style>
+      </p:cxnSp>
+      <p:cxnSp>
+        <p:nvCxnSpPr>
+          <p:cNvPr id="14" name="直線コネクタ 13">
+            <a:extLst>
+              <a:ext uri="{FF2B5EF4-FFF2-40B4-BE49-F238E27FC236}">
+                <a16:creationId xmlns:a16="http://schemas.microsoft.com/office/drawing/2014/main" id="{2E8EF836-C9AC-426B-80D5-EB7BCB42FB91}"/>
+              </a:ext>
+            </a:extLst>
+          </p:cNvPr>
+          <p:cNvCxnSpPr>
+            <a:cxnSpLocks/>
+          </p:cNvCxnSpPr>
+          <p:nvPr/>
+        </p:nvCxnSpPr>
+        <p:spPr>
+          <a:xfrm>
+            <a:off x="2236573" y="1035832"/>
+            <a:ext cx="0" cy="1114243"/>
+          </a:xfrm>
+          <a:prstGeom prst="line">
+            <a:avLst/>
+          </a:prstGeom>
+        </p:spPr>
+        <p:style>
+          <a:lnRef idx="1">
+            <a:schemeClr val="accent1"/>
+          </a:lnRef>
+          <a:fillRef idx="0">
+            <a:schemeClr val="accent1"/>
+          </a:fillRef>
+          <a:effectRef idx="0">
+            <a:schemeClr val="accent1"/>
+          </a:effectRef>
+          <a:fontRef idx="minor">
+            <a:schemeClr val="tx1"/>
+          </a:fontRef>
+        </p:style>
+      </p:cxnSp>
+      <p:cxnSp>
+        <p:nvCxnSpPr>
+          <p:cNvPr id="19" name="直線コネクタ 18">
+            <a:extLst>
+              <a:ext uri="{FF2B5EF4-FFF2-40B4-BE49-F238E27FC236}">
+                <a16:creationId xmlns:a16="http://schemas.microsoft.com/office/drawing/2014/main" id="{27D7DC48-B438-45FD-9CE5-0396BAF4DB63}"/>
+              </a:ext>
+            </a:extLst>
+          </p:cNvPr>
+          <p:cNvCxnSpPr>
+            <a:cxnSpLocks/>
+            <a:stCxn id="53" idx="2"/>
+          </p:cNvCxnSpPr>
+          <p:nvPr/>
+        </p:nvCxnSpPr>
+        <p:spPr>
+          <a:xfrm flipH="1">
+            <a:off x="7784757" y="4015945"/>
+            <a:ext cx="827924" cy="0"/>
+          </a:xfrm>
+          <a:prstGeom prst="line">
+            <a:avLst/>
+          </a:prstGeom>
+        </p:spPr>
+        <p:style>
+          <a:lnRef idx="1">
+            <a:schemeClr val="accent1"/>
+          </a:lnRef>
+          <a:fillRef idx="0">
+            <a:schemeClr val="accent1"/>
+          </a:fillRef>
+          <a:effectRef idx="0">
+            <a:schemeClr val="accent1"/>
+          </a:effectRef>
+          <a:fontRef idx="minor">
+            <a:schemeClr val="tx1"/>
+          </a:fontRef>
+        </p:style>
+      </p:cxnSp>
+      <p:sp>
+        <p:nvSpPr>
+          <p:cNvPr id="20" name="テキスト ボックス 19">
+            <a:extLst>
+              <a:ext uri="{FF2B5EF4-FFF2-40B4-BE49-F238E27FC236}">
+                <a16:creationId xmlns:a16="http://schemas.microsoft.com/office/drawing/2014/main" id="{54053EEA-4D48-4D50-8906-1F26AE6E1289}"/>
+              </a:ext>
+            </a:extLst>
+          </p:cNvPr>
+          <p:cNvSpPr txBox="1"/>
+          <p:nvPr/>
+        </p:nvSpPr>
+        <p:spPr>
+          <a:xfrm>
+            <a:off x="1911804" y="678859"/>
+            <a:ext cx="649537" cy="369332"/>
+          </a:xfrm>
+          <a:prstGeom prst="rect">
+            <a:avLst/>
+          </a:prstGeom>
+          <a:noFill/>
+        </p:spPr>
+        <p:txBody>
+          <a:bodyPr wrap="none" rtlCol="0">
+            <a:spAutoFit/>
+          </a:bodyPr>
+          <a:lstStyle/>
+          <a:p>
+            <a:r>
+              <a:rPr kumimoji="1" lang="en-US" altLang="ja-JP" dirty="0"/>
+              <a:t>3.3V</a:t>
+            </a:r>
+          </a:p>
+        </p:txBody>
+      </p:sp>
+      <p:cxnSp>
+        <p:nvCxnSpPr>
+          <p:cNvPr id="22" name="直線コネクタ 21">
+            <a:extLst>
+              <a:ext uri="{FF2B5EF4-FFF2-40B4-BE49-F238E27FC236}">
+                <a16:creationId xmlns:a16="http://schemas.microsoft.com/office/drawing/2014/main" id="{01887A70-C35E-4741-9CF3-CCB65FC4866B}"/>
+              </a:ext>
+            </a:extLst>
+          </p:cNvPr>
+          <p:cNvCxnSpPr/>
+          <p:nvPr/>
+        </p:nvCxnSpPr>
+        <p:spPr>
+          <a:xfrm>
+            <a:off x="8884529" y="2150075"/>
+            <a:ext cx="1767017" cy="0"/>
+          </a:xfrm>
+          <a:prstGeom prst="line">
+            <a:avLst/>
+          </a:prstGeom>
+        </p:spPr>
+        <p:style>
+          <a:lnRef idx="1">
+            <a:schemeClr val="accent1"/>
+          </a:lnRef>
+          <a:fillRef idx="0">
+            <a:schemeClr val="accent1"/>
+          </a:fillRef>
+          <a:effectRef idx="0">
+            <a:schemeClr val="accent1"/>
+          </a:effectRef>
+          <a:fontRef idx="minor">
+            <a:schemeClr val="tx1"/>
+          </a:fontRef>
+        </p:style>
+      </p:cxnSp>
+      <p:cxnSp>
+        <p:nvCxnSpPr>
+          <p:cNvPr id="100" name="直線コネクタ 99">
+            <a:extLst>
+              <a:ext uri="{FF2B5EF4-FFF2-40B4-BE49-F238E27FC236}">
+                <a16:creationId xmlns:a16="http://schemas.microsoft.com/office/drawing/2014/main" id="{13B11464-DF89-473D-9E38-FE91608B8B83}"/>
+              </a:ext>
+            </a:extLst>
+          </p:cNvPr>
+          <p:cNvCxnSpPr/>
+          <p:nvPr/>
+        </p:nvCxnSpPr>
+        <p:spPr>
+          <a:xfrm>
+            <a:off x="8884529" y="2619631"/>
+            <a:ext cx="1767017" cy="0"/>
+          </a:xfrm>
+          <a:prstGeom prst="line">
+            <a:avLst/>
+          </a:prstGeom>
+        </p:spPr>
+        <p:style>
+          <a:lnRef idx="1">
+            <a:schemeClr val="accent1"/>
+          </a:lnRef>
+          <a:fillRef idx="0">
+            <a:schemeClr val="accent1"/>
+          </a:fillRef>
+          <a:effectRef idx="0">
+            <a:schemeClr val="accent1"/>
+          </a:effectRef>
+          <a:fontRef idx="minor">
+            <a:schemeClr val="tx1"/>
+          </a:fontRef>
+        </p:style>
+      </p:cxnSp>
+      <p:cxnSp>
+        <p:nvCxnSpPr>
+          <p:cNvPr id="101" name="直線コネクタ 100">
+            <a:extLst>
+              <a:ext uri="{FF2B5EF4-FFF2-40B4-BE49-F238E27FC236}">
+                <a16:creationId xmlns:a16="http://schemas.microsoft.com/office/drawing/2014/main" id="{B4B68970-0B2B-4C1D-A137-D6D02E7369BA}"/>
+              </a:ext>
+            </a:extLst>
+          </p:cNvPr>
+          <p:cNvCxnSpPr/>
+          <p:nvPr/>
+        </p:nvCxnSpPr>
+        <p:spPr>
+          <a:xfrm>
+            <a:off x="8884529" y="3076829"/>
+            <a:ext cx="1767017" cy="0"/>
+          </a:xfrm>
+          <a:prstGeom prst="line">
+            <a:avLst/>
+          </a:prstGeom>
+        </p:spPr>
+        <p:style>
+          <a:lnRef idx="1">
+            <a:schemeClr val="accent1"/>
+          </a:lnRef>
+          <a:fillRef idx="0">
+            <a:schemeClr val="accent1"/>
+          </a:fillRef>
+          <a:effectRef idx="0">
+            <a:schemeClr val="accent1"/>
+          </a:effectRef>
+          <a:fontRef idx="minor">
+            <a:schemeClr val="tx1"/>
+          </a:fontRef>
+        </p:style>
+      </p:cxnSp>
+      <p:cxnSp>
+        <p:nvCxnSpPr>
+          <p:cNvPr id="102" name="直線コネクタ 101">
+            <a:extLst>
+              <a:ext uri="{FF2B5EF4-FFF2-40B4-BE49-F238E27FC236}">
+                <a16:creationId xmlns:a16="http://schemas.microsoft.com/office/drawing/2014/main" id="{7F6C1DDA-B48A-4BE0-BDFD-78280E0CD0BA}"/>
+              </a:ext>
+            </a:extLst>
+          </p:cNvPr>
+          <p:cNvCxnSpPr/>
+          <p:nvPr/>
+        </p:nvCxnSpPr>
+        <p:spPr>
+          <a:xfrm>
+            <a:off x="8884529" y="3527851"/>
+            <a:ext cx="1767017" cy="0"/>
+          </a:xfrm>
+          <a:prstGeom prst="line">
+            <a:avLst/>
+          </a:prstGeom>
+        </p:spPr>
+        <p:style>
+          <a:lnRef idx="1">
+            <a:schemeClr val="accent1"/>
+          </a:lnRef>
+          <a:fillRef idx="0">
+            <a:schemeClr val="accent1"/>
+          </a:fillRef>
+          <a:effectRef idx="0">
+            <a:schemeClr val="accent1"/>
+          </a:effectRef>
+          <a:fontRef idx="minor">
+            <a:schemeClr val="tx1"/>
+          </a:fontRef>
+        </p:style>
+      </p:cxnSp>
+      <p:cxnSp>
+        <p:nvCxnSpPr>
+          <p:cNvPr id="103" name="直線コネクタ 102">
+            <a:extLst>
+              <a:ext uri="{FF2B5EF4-FFF2-40B4-BE49-F238E27FC236}">
+                <a16:creationId xmlns:a16="http://schemas.microsoft.com/office/drawing/2014/main" id="{046B9F45-0982-4CC1-B882-03813EBC8D52}"/>
+              </a:ext>
+            </a:extLst>
+          </p:cNvPr>
+          <p:cNvCxnSpPr/>
+          <p:nvPr/>
+        </p:nvCxnSpPr>
+        <p:spPr>
+          <a:xfrm>
+            <a:off x="8884529" y="4015945"/>
+            <a:ext cx="1767017" cy="0"/>
+          </a:xfrm>
+          <a:prstGeom prst="line">
+            <a:avLst/>
+          </a:prstGeom>
+        </p:spPr>
+        <p:style>
+          <a:lnRef idx="1">
+            <a:schemeClr val="accent1"/>
+          </a:lnRef>
+          <a:fillRef idx="0">
+            <a:schemeClr val="accent1"/>
+          </a:fillRef>
+          <a:effectRef idx="0">
+            <a:schemeClr val="accent1"/>
+          </a:effectRef>
+          <a:fontRef idx="minor">
+            <a:schemeClr val="tx1"/>
+          </a:fontRef>
+        </p:style>
+      </p:cxnSp>
+      <p:cxnSp>
+        <p:nvCxnSpPr>
+          <p:cNvPr id="111" name="直線コネクタ 110">
+            <a:extLst>
+              <a:ext uri="{FF2B5EF4-FFF2-40B4-BE49-F238E27FC236}">
+                <a16:creationId xmlns:a16="http://schemas.microsoft.com/office/drawing/2014/main" id="{D4FAC7CA-ECF8-4AE5-8A3B-B8DB49DAB7B2}"/>
+              </a:ext>
+            </a:extLst>
+          </p:cNvPr>
+          <p:cNvCxnSpPr/>
+          <p:nvPr/>
+        </p:nvCxnSpPr>
+        <p:spPr>
+          <a:xfrm>
+            <a:off x="8884529" y="4479323"/>
+            <a:ext cx="1767017" cy="0"/>
+          </a:xfrm>
+          <a:prstGeom prst="line">
+            <a:avLst/>
+          </a:prstGeom>
+        </p:spPr>
+        <p:style>
+          <a:lnRef idx="1">
+            <a:schemeClr val="accent1"/>
+          </a:lnRef>
+          <a:fillRef idx="0">
+            <a:schemeClr val="accent1"/>
+          </a:fillRef>
+          <a:effectRef idx="0">
+            <a:schemeClr val="accent1"/>
+          </a:effectRef>
+          <a:fontRef idx="minor">
+            <a:schemeClr val="tx1"/>
+          </a:fontRef>
+        </p:style>
+      </p:cxnSp>
+      <p:cxnSp>
+        <p:nvCxnSpPr>
+          <p:cNvPr id="28" name="直線コネクタ 27">
+            <a:extLst>
+              <a:ext uri="{FF2B5EF4-FFF2-40B4-BE49-F238E27FC236}">
+                <a16:creationId xmlns:a16="http://schemas.microsoft.com/office/drawing/2014/main" id="{2218A03F-48FE-48B4-B9FE-98658C2443F0}"/>
+              </a:ext>
+            </a:extLst>
+          </p:cNvPr>
+          <p:cNvCxnSpPr>
+            <a:cxnSpLocks/>
+          </p:cNvCxnSpPr>
+          <p:nvPr/>
+        </p:nvCxnSpPr>
+        <p:spPr>
+          <a:xfrm>
+            <a:off x="10651546" y="4015945"/>
+            <a:ext cx="0" cy="1198606"/>
+          </a:xfrm>
+          <a:prstGeom prst="line">
+            <a:avLst/>
+          </a:prstGeom>
+        </p:spPr>
+        <p:style>
+          <a:lnRef idx="1">
+            <a:schemeClr val="accent1"/>
+          </a:lnRef>
+          <a:fillRef idx="0">
+            <a:schemeClr val="accent1"/>
+          </a:fillRef>
+          <a:effectRef idx="0">
+            <a:schemeClr val="accent1"/>
+          </a:effectRef>
+          <a:fontRef idx="minor">
+            <a:schemeClr val="tx1"/>
+          </a:fontRef>
+        </p:style>
+      </p:cxnSp>
+      <p:sp>
+        <p:nvSpPr>
+          <p:cNvPr id="29" name="テキスト ボックス 28">
+            <a:extLst>
+              <a:ext uri="{FF2B5EF4-FFF2-40B4-BE49-F238E27FC236}">
+                <a16:creationId xmlns:a16="http://schemas.microsoft.com/office/drawing/2014/main" id="{175F2B6D-5CFD-4348-BA61-36199BA89FDC}"/>
+              </a:ext>
+            </a:extLst>
+          </p:cNvPr>
+          <p:cNvSpPr txBox="1"/>
+          <p:nvPr/>
+        </p:nvSpPr>
+        <p:spPr>
+          <a:xfrm>
+            <a:off x="10651546" y="4968783"/>
+            <a:ext cx="678391" cy="369332"/>
+          </a:xfrm>
+          <a:prstGeom prst="rect">
+            <a:avLst/>
+          </a:prstGeom>
+          <a:noFill/>
+        </p:spPr>
+        <p:txBody>
+          <a:bodyPr wrap="none" rtlCol="0">
+            <a:spAutoFit/>
+          </a:bodyPr>
+          <a:lstStyle/>
+          <a:p>
+            <a:r>
+              <a:rPr kumimoji="1" lang="en-US" altLang="ja-JP" dirty="0"/>
+              <a:t>GRD</a:t>
+            </a:r>
+          </a:p>
+        </p:txBody>
+      </p:sp>
+      <p:sp>
+        <p:nvSpPr>
+          <p:cNvPr id="32" name="テキスト ボックス 31">
+            <a:extLst>
+              <a:ext uri="{FF2B5EF4-FFF2-40B4-BE49-F238E27FC236}">
+                <a16:creationId xmlns:a16="http://schemas.microsoft.com/office/drawing/2014/main" id="{A6603A97-43AE-4E11-9B6D-10B438DC8E31}"/>
+              </a:ext>
+            </a:extLst>
+          </p:cNvPr>
+          <p:cNvSpPr txBox="1"/>
+          <p:nvPr/>
+        </p:nvSpPr>
+        <p:spPr>
+          <a:xfrm>
+            <a:off x="6982582" y="3843636"/>
+            <a:ext cx="740908" cy="369332"/>
+          </a:xfrm>
+          <a:prstGeom prst="rect">
+            <a:avLst/>
+          </a:prstGeom>
+          <a:noFill/>
+        </p:spPr>
+        <p:txBody>
+          <a:bodyPr wrap="none" rtlCol="0">
+            <a:spAutoFit/>
+          </a:bodyPr>
+          <a:lstStyle/>
+          <a:p>
+            <a:r>
+              <a:rPr kumimoji="1" lang="en-US" altLang="ja-JP" dirty="0"/>
+              <a:t>GPIO</a:t>
+            </a:r>
+          </a:p>
+        </p:txBody>
+      </p:sp>
+      <p:sp>
+        <p:nvSpPr>
+          <p:cNvPr id="112" name="テキスト ボックス 111">
+            <a:extLst>
+              <a:ext uri="{FF2B5EF4-FFF2-40B4-BE49-F238E27FC236}">
+                <a16:creationId xmlns:a16="http://schemas.microsoft.com/office/drawing/2014/main" id="{EF34B16C-E0E0-44DB-8B14-C7CF2A847680}"/>
+              </a:ext>
+            </a:extLst>
+          </p:cNvPr>
+          <p:cNvSpPr txBox="1"/>
+          <p:nvPr/>
+        </p:nvSpPr>
+        <p:spPr>
+          <a:xfrm>
+            <a:off x="6982582" y="4301519"/>
+            <a:ext cx="740908" cy="369332"/>
+          </a:xfrm>
+          <a:prstGeom prst="rect">
+            <a:avLst/>
+          </a:prstGeom>
+          <a:noFill/>
+        </p:spPr>
+        <p:txBody>
+          <a:bodyPr wrap="none" rtlCol="0">
+            <a:spAutoFit/>
+          </a:bodyPr>
+          <a:lstStyle/>
+          <a:p>
+            <a:r>
+              <a:rPr kumimoji="1" lang="en-US" altLang="ja-JP" dirty="0"/>
+              <a:t>GPIO</a:t>
+            </a:r>
+          </a:p>
+        </p:txBody>
+      </p:sp>
+      <p:sp>
+        <p:nvSpPr>
+          <p:cNvPr id="113" name="テキスト ボックス 112">
+            <a:extLst>
+              <a:ext uri="{FF2B5EF4-FFF2-40B4-BE49-F238E27FC236}">
+                <a16:creationId xmlns:a16="http://schemas.microsoft.com/office/drawing/2014/main" id="{7B11D3A8-35F3-4A1B-850A-D3FCDE7D3473}"/>
+              </a:ext>
+            </a:extLst>
+          </p:cNvPr>
+          <p:cNvSpPr txBox="1"/>
+          <p:nvPr/>
+        </p:nvSpPr>
+        <p:spPr>
+          <a:xfrm>
+            <a:off x="10907544" y="1965409"/>
+            <a:ext cx="740908" cy="369332"/>
+          </a:xfrm>
+          <a:prstGeom prst="rect">
+            <a:avLst/>
+          </a:prstGeom>
+          <a:noFill/>
+        </p:spPr>
+        <p:txBody>
+          <a:bodyPr wrap="none" rtlCol="0">
+            <a:spAutoFit/>
+          </a:bodyPr>
+          <a:lstStyle/>
+          <a:p>
+            <a:r>
+              <a:rPr kumimoji="1" lang="en-US" altLang="ja-JP" dirty="0"/>
+              <a:t>GPIO</a:t>
+            </a:r>
+          </a:p>
+        </p:txBody>
+      </p:sp>
+      <p:sp>
+        <p:nvSpPr>
+          <p:cNvPr id="115" name="テキスト ボックス 114">
+            <a:extLst>
+              <a:ext uri="{FF2B5EF4-FFF2-40B4-BE49-F238E27FC236}">
+                <a16:creationId xmlns:a16="http://schemas.microsoft.com/office/drawing/2014/main" id="{B65FF418-8E4E-416C-8857-F57EF545439F}"/>
+              </a:ext>
+            </a:extLst>
+          </p:cNvPr>
+          <p:cNvSpPr txBox="1"/>
+          <p:nvPr/>
+        </p:nvSpPr>
+        <p:spPr>
+          <a:xfrm>
+            <a:off x="10907544" y="2434965"/>
+            <a:ext cx="740908" cy="369332"/>
+          </a:xfrm>
+          <a:prstGeom prst="rect">
+            <a:avLst/>
+          </a:prstGeom>
+          <a:noFill/>
+        </p:spPr>
+        <p:txBody>
+          <a:bodyPr wrap="none" rtlCol="0">
+            <a:spAutoFit/>
+          </a:bodyPr>
+          <a:lstStyle/>
+          <a:p>
+            <a:r>
+              <a:rPr kumimoji="1" lang="en-US" altLang="ja-JP" dirty="0"/>
+              <a:t>GPIO</a:t>
+            </a:r>
+          </a:p>
+        </p:txBody>
+      </p:sp>
+      <p:sp>
+        <p:nvSpPr>
+          <p:cNvPr id="116" name="テキスト ボックス 115">
+            <a:extLst>
+              <a:ext uri="{FF2B5EF4-FFF2-40B4-BE49-F238E27FC236}">
+                <a16:creationId xmlns:a16="http://schemas.microsoft.com/office/drawing/2014/main" id="{90D6331E-DCC7-435C-91D7-FBBECC2E4B5E}"/>
+              </a:ext>
+            </a:extLst>
+          </p:cNvPr>
+          <p:cNvSpPr txBox="1"/>
+          <p:nvPr/>
+        </p:nvSpPr>
+        <p:spPr>
+          <a:xfrm>
+            <a:off x="10907544" y="2904520"/>
+            <a:ext cx="740908" cy="369332"/>
+          </a:xfrm>
+          <a:prstGeom prst="rect">
+            <a:avLst/>
+          </a:prstGeom>
+          <a:noFill/>
+        </p:spPr>
+        <p:txBody>
+          <a:bodyPr wrap="none" rtlCol="0">
+            <a:spAutoFit/>
+          </a:bodyPr>
+          <a:lstStyle/>
+          <a:p>
+            <a:r>
+              <a:rPr kumimoji="1" lang="en-US" altLang="ja-JP" dirty="0"/>
+              <a:t>GPIO</a:t>
+            </a:r>
+          </a:p>
+        </p:txBody>
+      </p:sp>
+      <p:sp>
+        <p:nvSpPr>
+          <p:cNvPr id="117" name="テキスト ボックス 116">
+            <a:extLst>
+              <a:ext uri="{FF2B5EF4-FFF2-40B4-BE49-F238E27FC236}">
+                <a16:creationId xmlns:a16="http://schemas.microsoft.com/office/drawing/2014/main" id="{54A7B05C-1BC2-4963-9314-A4F8DA8FA21D}"/>
+              </a:ext>
+            </a:extLst>
+          </p:cNvPr>
+          <p:cNvSpPr txBox="1"/>
+          <p:nvPr/>
+        </p:nvSpPr>
+        <p:spPr>
+          <a:xfrm>
+            <a:off x="10907544" y="3345579"/>
+            <a:ext cx="740908" cy="369332"/>
+          </a:xfrm>
+          <a:prstGeom prst="rect">
+            <a:avLst/>
+          </a:prstGeom>
+          <a:noFill/>
+        </p:spPr>
+        <p:txBody>
+          <a:bodyPr wrap="none" rtlCol="0">
+            <a:spAutoFit/>
+          </a:bodyPr>
+          <a:lstStyle/>
+          <a:p>
+            <a:r>
+              <a:rPr kumimoji="1" lang="en-US" altLang="ja-JP" dirty="0"/>
+              <a:t>GPIO</a:t>
+            </a:r>
+          </a:p>
+        </p:txBody>
+      </p:sp>
+      <p:cxnSp>
+        <p:nvCxnSpPr>
+          <p:cNvPr id="118" name="直線コネクタ 117">
+            <a:extLst>
+              <a:ext uri="{FF2B5EF4-FFF2-40B4-BE49-F238E27FC236}">
+                <a16:creationId xmlns:a16="http://schemas.microsoft.com/office/drawing/2014/main" id="{D5F12C2C-93DE-4F5F-BD38-0960D2AC7C72}"/>
+              </a:ext>
+            </a:extLst>
+          </p:cNvPr>
+          <p:cNvCxnSpPr>
+            <a:cxnSpLocks/>
+          </p:cNvCxnSpPr>
+          <p:nvPr/>
+        </p:nvCxnSpPr>
+        <p:spPr>
+          <a:xfrm flipH="1">
+            <a:off x="7784757" y="4473828"/>
+            <a:ext cx="827924" cy="0"/>
+          </a:xfrm>
+          <a:prstGeom prst="line">
+            <a:avLst/>
+          </a:prstGeom>
+        </p:spPr>
+        <p:style>
+          <a:lnRef idx="1">
+            <a:schemeClr val="accent1"/>
+          </a:lnRef>
+          <a:fillRef idx="0">
+            <a:schemeClr val="accent1"/>
+          </a:fillRef>
+          <a:effectRef idx="0">
+            <a:schemeClr val="accent1"/>
+          </a:effectRef>
+          <a:fontRef idx="minor">
+            <a:schemeClr val="tx1"/>
+          </a:fontRef>
+        </p:style>
+      </p:cxnSp>
+      <p:cxnSp>
+        <p:nvCxnSpPr>
+          <p:cNvPr id="119" name="直線コネクタ 118">
+            <a:extLst>
+              <a:ext uri="{FF2B5EF4-FFF2-40B4-BE49-F238E27FC236}">
+                <a16:creationId xmlns:a16="http://schemas.microsoft.com/office/drawing/2014/main" id="{C268F9EE-78F5-4AB3-871A-55B50BDFD09D}"/>
+              </a:ext>
+            </a:extLst>
+          </p:cNvPr>
+          <p:cNvCxnSpPr>
+            <a:cxnSpLocks/>
+          </p:cNvCxnSpPr>
+          <p:nvPr/>
+        </p:nvCxnSpPr>
+        <p:spPr>
+          <a:xfrm flipH="1">
+            <a:off x="7784757" y="3552567"/>
+            <a:ext cx="827924" cy="0"/>
+          </a:xfrm>
+          <a:prstGeom prst="line">
+            <a:avLst/>
+          </a:prstGeom>
+        </p:spPr>
+        <p:style>
+          <a:lnRef idx="1">
+            <a:schemeClr val="accent1"/>
+          </a:lnRef>
+          <a:fillRef idx="0">
+            <a:schemeClr val="accent1"/>
+          </a:fillRef>
+          <a:effectRef idx="0">
+            <a:schemeClr val="accent1"/>
+          </a:effectRef>
+          <a:fontRef idx="minor">
+            <a:schemeClr val="tx1"/>
+          </a:fontRef>
+        </p:style>
+      </p:cxnSp>
+      <p:cxnSp>
+        <p:nvCxnSpPr>
+          <p:cNvPr id="120" name="直線コネクタ 119">
+            <a:extLst>
+              <a:ext uri="{FF2B5EF4-FFF2-40B4-BE49-F238E27FC236}">
+                <a16:creationId xmlns:a16="http://schemas.microsoft.com/office/drawing/2014/main" id="{C3B7E003-4224-4013-A2C8-B244FA08DDDC}"/>
+              </a:ext>
+            </a:extLst>
+          </p:cNvPr>
+          <p:cNvCxnSpPr>
+            <a:cxnSpLocks/>
+          </p:cNvCxnSpPr>
+          <p:nvPr/>
+        </p:nvCxnSpPr>
+        <p:spPr>
+          <a:xfrm flipH="1">
+            <a:off x="7784757" y="3089186"/>
+            <a:ext cx="827924" cy="0"/>
+          </a:xfrm>
+          <a:prstGeom prst="line">
+            <a:avLst/>
+          </a:prstGeom>
+        </p:spPr>
+        <p:style>
+          <a:lnRef idx="1">
+            <a:schemeClr val="accent1"/>
+          </a:lnRef>
+          <a:fillRef idx="0">
+            <a:schemeClr val="accent1"/>
+          </a:fillRef>
+          <a:effectRef idx="0">
+            <a:schemeClr val="accent1"/>
+          </a:effectRef>
+          <a:fontRef idx="minor">
+            <a:schemeClr val="tx1"/>
+          </a:fontRef>
+        </p:style>
+      </p:cxnSp>
+      <p:cxnSp>
+        <p:nvCxnSpPr>
+          <p:cNvPr id="121" name="直線コネクタ 120">
+            <a:extLst>
+              <a:ext uri="{FF2B5EF4-FFF2-40B4-BE49-F238E27FC236}">
+                <a16:creationId xmlns:a16="http://schemas.microsoft.com/office/drawing/2014/main" id="{A19138CC-33B8-4151-8844-359DE1ADBDEF}"/>
+              </a:ext>
+            </a:extLst>
+          </p:cNvPr>
+          <p:cNvCxnSpPr>
+            <a:cxnSpLocks/>
+          </p:cNvCxnSpPr>
+          <p:nvPr/>
+        </p:nvCxnSpPr>
+        <p:spPr>
+          <a:xfrm flipH="1">
+            <a:off x="7784757" y="2619631"/>
+            <a:ext cx="827924" cy="0"/>
+          </a:xfrm>
+          <a:prstGeom prst="line">
+            <a:avLst/>
+          </a:prstGeom>
+        </p:spPr>
+        <p:style>
+          <a:lnRef idx="1">
+            <a:schemeClr val="accent1"/>
+          </a:lnRef>
+          <a:fillRef idx="0">
+            <a:schemeClr val="accent1"/>
+          </a:fillRef>
+          <a:effectRef idx="0">
+            <a:schemeClr val="accent1"/>
+          </a:effectRef>
+          <a:fontRef idx="minor">
+            <a:schemeClr val="tx1"/>
+          </a:fontRef>
+        </p:style>
+      </p:cxnSp>
+      <p:cxnSp>
+        <p:nvCxnSpPr>
+          <p:cNvPr id="122" name="直線コネクタ 121">
+            <a:extLst>
+              <a:ext uri="{FF2B5EF4-FFF2-40B4-BE49-F238E27FC236}">
+                <a16:creationId xmlns:a16="http://schemas.microsoft.com/office/drawing/2014/main" id="{9BF17525-85B3-49BA-A0A0-D9C1727B81FC}"/>
+              </a:ext>
+            </a:extLst>
+          </p:cNvPr>
+          <p:cNvCxnSpPr>
+            <a:cxnSpLocks/>
+          </p:cNvCxnSpPr>
+          <p:nvPr/>
+        </p:nvCxnSpPr>
+        <p:spPr>
+          <a:xfrm flipH="1">
+            <a:off x="7784757" y="2150075"/>
+            <a:ext cx="827924" cy="0"/>
+          </a:xfrm>
+          <a:prstGeom prst="line">
+            <a:avLst/>
+          </a:prstGeom>
+        </p:spPr>
+        <p:style>
+          <a:lnRef idx="1">
+            <a:schemeClr val="accent1"/>
+          </a:lnRef>
+          <a:fillRef idx="0">
+            <a:schemeClr val="accent1"/>
+          </a:fillRef>
+          <a:effectRef idx="0">
+            <a:schemeClr val="accent1"/>
+          </a:effectRef>
+          <a:fontRef idx="minor">
+            <a:schemeClr val="tx1"/>
+          </a:fontRef>
+        </p:style>
+      </p:cxnSp>
+      <p:sp>
+        <p:nvSpPr>
+          <p:cNvPr id="123" name="テキスト ボックス 122">
+            <a:extLst>
+              <a:ext uri="{FF2B5EF4-FFF2-40B4-BE49-F238E27FC236}">
+                <a16:creationId xmlns:a16="http://schemas.microsoft.com/office/drawing/2014/main" id="{ECA1FC8B-35D8-40CB-B971-7284DC349A00}"/>
+              </a:ext>
+            </a:extLst>
+          </p:cNvPr>
+          <p:cNvSpPr txBox="1"/>
+          <p:nvPr/>
+        </p:nvSpPr>
+        <p:spPr>
+          <a:xfrm>
+            <a:off x="6982582" y="2892163"/>
+            <a:ext cx="740908" cy="369332"/>
+          </a:xfrm>
+          <a:prstGeom prst="rect">
+            <a:avLst/>
+          </a:prstGeom>
+          <a:noFill/>
+        </p:spPr>
+        <p:txBody>
+          <a:bodyPr wrap="none" rtlCol="0">
+            <a:spAutoFit/>
+          </a:bodyPr>
+          <a:lstStyle/>
+          <a:p>
+            <a:r>
+              <a:rPr kumimoji="1" lang="en-US" altLang="ja-JP" dirty="0"/>
+              <a:t>GPIO</a:t>
+            </a:r>
+          </a:p>
+        </p:txBody>
+      </p:sp>
+      <p:sp>
+        <p:nvSpPr>
+          <p:cNvPr id="124" name="テキスト ボックス 123">
+            <a:extLst>
+              <a:ext uri="{FF2B5EF4-FFF2-40B4-BE49-F238E27FC236}">
+                <a16:creationId xmlns:a16="http://schemas.microsoft.com/office/drawing/2014/main" id="{709D3F5A-9DA9-4215-853B-8B2C09918DCC}"/>
+              </a:ext>
+            </a:extLst>
+          </p:cNvPr>
+          <p:cNvSpPr txBox="1"/>
+          <p:nvPr/>
+        </p:nvSpPr>
+        <p:spPr>
+          <a:xfrm>
+            <a:off x="6982582" y="3350046"/>
+            <a:ext cx="740908" cy="369332"/>
+          </a:xfrm>
+          <a:prstGeom prst="rect">
+            <a:avLst/>
+          </a:prstGeom>
+          <a:noFill/>
+        </p:spPr>
+        <p:txBody>
+          <a:bodyPr wrap="none" rtlCol="0">
+            <a:spAutoFit/>
+          </a:bodyPr>
+          <a:lstStyle/>
+          <a:p>
+            <a:r>
+              <a:rPr kumimoji="1" lang="en-US" altLang="ja-JP" dirty="0"/>
+              <a:t>GPIO</a:t>
+            </a:r>
+          </a:p>
+        </p:txBody>
+      </p:sp>
+      <p:sp>
+        <p:nvSpPr>
+          <p:cNvPr id="125" name="テキスト ボックス 124">
+            <a:extLst>
+              <a:ext uri="{FF2B5EF4-FFF2-40B4-BE49-F238E27FC236}">
+                <a16:creationId xmlns:a16="http://schemas.microsoft.com/office/drawing/2014/main" id="{184F8755-0EA6-419E-BF44-5F5A9551C2F8}"/>
+              </a:ext>
+            </a:extLst>
+          </p:cNvPr>
+          <p:cNvSpPr txBox="1"/>
+          <p:nvPr/>
+        </p:nvSpPr>
+        <p:spPr>
+          <a:xfrm>
+            <a:off x="6982582" y="1990804"/>
+            <a:ext cx="740908" cy="369332"/>
+          </a:xfrm>
+          <a:prstGeom prst="rect">
+            <a:avLst/>
+          </a:prstGeom>
+          <a:noFill/>
+        </p:spPr>
+        <p:txBody>
+          <a:bodyPr wrap="none" rtlCol="0">
+            <a:spAutoFit/>
+          </a:bodyPr>
+          <a:lstStyle/>
+          <a:p>
+            <a:r>
+              <a:rPr kumimoji="1" lang="en-US" altLang="ja-JP" dirty="0"/>
+              <a:t>GPIO</a:t>
+            </a:r>
+          </a:p>
+        </p:txBody>
+      </p:sp>
+      <p:sp>
+        <p:nvSpPr>
+          <p:cNvPr id="126" name="テキスト ボックス 125">
+            <a:extLst>
+              <a:ext uri="{FF2B5EF4-FFF2-40B4-BE49-F238E27FC236}">
+                <a16:creationId xmlns:a16="http://schemas.microsoft.com/office/drawing/2014/main" id="{21BFD4CB-B1A8-4757-B060-05933C2C3594}"/>
+              </a:ext>
+            </a:extLst>
+          </p:cNvPr>
+          <p:cNvSpPr txBox="1"/>
+          <p:nvPr/>
+        </p:nvSpPr>
+        <p:spPr>
+          <a:xfrm>
+            <a:off x="6982582" y="2448687"/>
+            <a:ext cx="740908" cy="369332"/>
+          </a:xfrm>
+          <a:prstGeom prst="rect">
+            <a:avLst/>
+          </a:prstGeom>
+          <a:noFill/>
+        </p:spPr>
+        <p:txBody>
+          <a:bodyPr wrap="none" rtlCol="0">
+            <a:spAutoFit/>
+          </a:bodyPr>
+          <a:lstStyle/>
+          <a:p>
+            <a:r>
+              <a:rPr kumimoji="1" lang="en-US" altLang="ja-JP" dirty="0"/>
+              <a:t>GPIO</a:t>
+            </a:r>
+          </a:p>
+        </p:txBody>
+      </p:sp>
+      <p:sp>
+        <p:nvSpPr>
+          <p:cNvPr id="127" name="テキスト ボックス 126">
+            <a:extLst>
+              <a:ext uri="{FF2B5EF4-FFF2-40B4-BE49-F238E27FC236}">
+                <a16:creationId xmlns:a16="http://schemas.microsoft.com/office/drawing/2014/main" id="{AE5B8EE9-7B9E-404B-8CA0-CDBB00C14AB7}"/>
+              </a:ext>
+            </a:extLst>
+          </p:cNvPr>
+          <p:cNvSpPr txBox="1"/>
+          <p:nvPr/>
+        </p:nvSpPr>
+        <p:spPr>
+          <a:xfrm>
+            <a:off x="4396010" y="1965409"/>
+            <a:ext cx="740908" cy="369332"/>
+          </a:xfrm>
+          <a:prstGeom prst="rect">
+            <a:avLst/>
+          </a:prstGeom>
+          <a:noFill/>
+        </p:spPr>
+        <p:txBody>
+          <a:bodyPr wrap="none" rtlCol="0">
+            <a:spAutoFit/>
+          </a:bodyPr>
+          <a:lstStyle/>
+          <a:p>
+            <a:r>
+              <a:rPr kumimoji="1" lang="en-US" altLang="ja-JP" dirty="0"/>
+              <a:t>GPIO</a:t>
+            </a:r>
+          </a:p>
+        </p:txBody>
+      </p:sp>
+      <p:sp>
+        <p:nvSpPr>
+          <p:cNvPr id="43" name="正方形/長方形 42">
+            <a:extLst>
+              <a:ext uri="{FF2B5EF4-FFF2-40B4-BE49-F238E27FC236}">
+                <a16:creationId xmlns:a16="http://schemas.microsoft.com/office/drawing/2014/main" id="{291DBD36-D56E-4036-918E-4EECFA942A17}"/>
+              </a:ext>
+            </a:extLst>
+          </p:cNvPr>
+          <p:cNvSpPr/>
+          <p:nvPr/>
+        </p:nvSpPr>
+        <p:spPr>
+          <a:xfrm>
+            <a:off x="3281476" y="4015945"/>
+            <a:ext cx="3287144" cy="994709"/>
+          </a:xfrm>
+          <a:prstGeom prst="rect">
+            <a:avLst/>
+          </a:prstGeom>
+          <a:noFill/>
+        </p:spPr>
+        <p:style>
+          <a:lnRef idx="2">
+            <a:schemeClr val="accent1">
+              <a:shade val="50000"/>
+            </a:schemeClr>
+          </a:lnRef>
+          <a:fillRef idx="1">
+            <a:schemeClr val="accent1"/>
+          </a:fillRef>
+          <a:effectRef idx="0">
+            <a:schemeClr val="accent1"/>
+          </a:effectRef>
+          <a:fontRef idx="minor">
+            <a:schemeClr val="lt1"/>
+          </a:fontRef>
+        </p:style>
+        <p:txBody>
+          <a:bodyPr rtlCol="0" anchor="ctr"/>
+          <a:lstStyle/>
+          <a:p>
+            <a:pPr algn="ctr"/>
+            <a:r>
+              <a:rPr kumimoji="1" lang="en-US" altLang="ja-JP" dirty="0">
+                <a:solidFill>
+                  <a:schemeClr val="tx1"/>
+                </a:solidFill>
+              </a:rPr>
+              <a:t>LCD</a:t>
+            </a:r>
+            <a:r>
+              <a:rPr kumimoji="1" lang="ja-JP" altLang="en-US" dirty="0">
+                <a:solidFill>
+                  <a:schemeClr val="tx1"/>
+                </a:solidFill>
+              </a:rPr>
+              <a:t>表示器</a:t>
+            </a:r>
+          </a:p>
+        </p:txBody>
+      </p:sp>
+      <p:cxnSp>
+        <p:nvCxnSpPr>
+          <p:cNvPr id="67" name="直線コネクタ 66">
+            <a:extLst>
+              <a:ext uri="{FF2B5EF4-FFF2-40B4-BE49-F238E27FC236}">
+                <a16:creationId xmlns:a16="http://schemas.microsoft.com/office/drawing/2014/main" id="{63CEAD61-3948-4643-B9D8-F5A166B1AD96}"/>
+              </a:ext>
+            </a:extLst>
+          </p:cNvPr>
+          <p:cNvCxnSpPr/>
+          <p:nvPr/>
+        </p:nvCxnSpPr>
+        <p:spPr>
+          <a:xfrm>
+            <a:off x="3583459" y="5010654"/>
+            <a:ext cx="0" cy="327461"/>
+          </a:xfrm>
+          <a:prstGeom prst="line">
+            <a:avLst/>
+          </a:prstGeom>
+        </p:spPr>
+        <p:style>
+          <a:lnRef idx="1">
+            <a:schemeClr val="accent1"/>
+          </a:lnRef>
+          <a:fillRef idx="0">
+            <a:schemeClr val="accent1"/>
+          </a:fillRef>
+          <a:effectRef idx="0">
+            <a:schemeClr val="accent1"/>
+          </a:effectRef>
+          <a:fontRef idx="minor">
+            <a:schemeClr val="tx1"/>
+          </a:fontRef>
+        </p:style>
+      </p:cxnSp>
+      <p:cxnSp>
+        <p:nvCxnSpPr>
+          <p:cNvPr id="131" name="直線コネクタ 130">
+            <a:extLst>
+              <a:ext uri="{FF2B5EF4-FFF2-40B4-BE49-F238E27FC236}">
+                <a16:creationId xmlns:a16="http://schemas.microsoft.com/office/drawing/2014/main" id="{7E73C12A-6DD7-40F0-808B-C3951BB7036F}"/>
+              </a:ext>
+            </a:extLst>
+          </p:cNvPr>
+          <p:cNvCxnSpPr>
+            <a:cxnSpLocks/>
+          </p:cNvCxnSpPr>
+          <p:nvPr/>
+        </p:nvCxnSpPr>
+        <p:spPr>
+          <a:xfrm>
+            <a:off x="3842951" y="5010654"/>
+            <a:ext cx="0" cy="528256"/>
+          </a:xfrm>
+          <a:prstGeom prst="line">
+            <a:avLst/>
+          </a:prstGeom>
+        </p:spPr>
+        <p:style>
+          <a:lnRef idx="1">
+            <a:schemeClr val="accent1"/>
+          </a:lnRef>
+          <a:fillRef idx="0">
+            <a:schemeClr val="accent1"/>
+          </a:fillRef>
+          <a:effectRef idx="0">
+            <a:schemeClr val="accent1"/>
+          </a:effectRef>
+          <a:fontRef idx="minor">
+            <a:schemeClr val="tx1"/>
+          </a:fontRef>
+        </p:style>
+      </p:cxnSp>
+      <p:cxnSp>
+        <p:nvCxnSpPr>
+          <p:cNvPr id="132" name="直線コネクタ 131">
+            <a:extLst>
+              <a:ext uri="{FF2B5EF4-FFF2-40B4-BE49-F238E27FC236}">
+                <a16:creationId xmlns:a16="http://schemas.microsoft.com/office/drawing/2014/main" id="{E3D6B02C-4632-4F1E-88E3-9ED712014DAD}"/>
+              </a:ext>
+            </a:extLst>
+          </p:cNvPr>
+          <p:cNvCxnSpPr>
+            <a:cxnSpLocks/>
+          </p:cNvCxnSpPr>
+          <p:nvPr/>
+        </p:nvCxnSpPr>
+        <p:spPr>
+          <a:xfrm>
+            <a:off x="4102443" y="5010654"/>
+            <a:ext cx="0" cy="732144"/>
+          </a:xfrm>
+          <a:prstGeom prst="line">
+            <a:avLst/>
+          </a:prstGeom>
+        </p:spPr>
+        <p:style>
+          <a:lnRef idx="1">
+            <a:schemeClr val="accent1"/>
+          </a:lnRef>
+          <a:fillRef idx="0">
+            <a:schemeClr val="accent1"/>
+          </a:fillRef>
+          <a:effectRef idx="0">
+            <a:schemeClr val="accent1"/>
+          </a:effectRef>
+          <a:fontRef idx="minor">
+            <a:schemeClr val="tx1"/>
+          </a:fontRef>
+        </p:style>
+      </p:cxnSp>
+      <p:cxnSp>
+        <p:nvCxnSpPr>
+          <p:cNvPr id="133" name="直線コネクタ 132">
+            <a:extLst>
+              <a:ext uri="{FF2B5EF4-FFF2-40B4-BE49-F238E27FC236}">
+                <a16:creationId xmlns:a16="http://schemas.microsoft.com/office/drawing/2014/main" id="{AFA91027-1027-44D6-96DD-389D16B78E8E}"/>
+              </a:ext>
+            </a:extLst>
+          </p:cNvPr>
+          <p:cNvCxnSpPr>
+            <a:cxnSpLocks/>
+          </p:cNvCxnSpPr>
+          <p:nvPr/>
+        </p:nvCxnSpPr>
+        <p:spPr>
+          <a:xfrm>
+            <a:off x="4396010" y="5010654"/>
+            <a:ext cx="0" cy="1464288"/>
+          </a:xfrm>
+          <a:prstGeom prst="line">
+            <a:avLst/>
+          </a:prstGeom>
+        </p:spPr>
+        <p:style>
+          <a:lnRef idx="1">
+            <a:schemeClr val="accent1"/>
+          </a:lnRef>
+          <a:fillRef idx="0">
+            <a:schemeClr val="accent1"/>
+          </a:fillRef>
+          <a:effectRef idx="0">
+            <a:schemeClr val="accent1"/>
+          </a:effectRef>
+          <a:fontRef idx="minor">
+            <a:schemeClr val="tx1"/>
+          </a:fontRef>
+        </p:style>
+      </p:cxnSp>
+      <p:cxnSp>
+        <p:nvCxnSpPr>
+          <p:cNvPr id="134" name="直線コネクタ 133">
+            <a:extLst>
+              <a:ext uri="{FF2B5EF4-FFF2-40B4-BE49-F238E27FC236}">
+                <a16:creationId xmlns:a16="http://schemas.microsoft.com/office/drawing/2014/main" id="{4FBAB303-1F38-4379-A1A7-A840A6F1DCD4}"/>
+              </a:ext>
+            </a:extLst>
+          </p:cNvPr>
+          <p:cNvCxnSpPr>
+            <a:cxnSpLocks/>
+          </p:cNvCxnSpPr>
+          <p:nvPr/>
+        </p:nvCxnSpPr>
+        <p:spPr>
+          <a:xfrm>
+            <a:off x="4653200" y="5010653"/>
+            <a:ext cx="0" cy="1056515"/>
+          </a:xfrm>
+          <a:prstGeom prst="line">
+            <a:avLst/>
+          </a:prstGeom>
+        </p:spPr>
+        <p:style>
+          <a:lnRef idx="1">
+            <a:schemeClr val="accent1"/>
+          </a:lnRef>
+          <a:fillRef idx="0">
+            <a:schemeClr val="accent1"/>
+          </a:fillRef>
+          <a:effectRef idx="0">
+            <a:schemeClr val="accent1"/>
+          </a:effectRef>
+          <a:fontRef idx="minor">
+            <a:schemeClr val="tx1"/>
+          </a:fontRef>
+        </p:style>
+      </p:cxnSp>
+      <p:sp>
+        <p:nvSpPr>
+          <p:cNvPr id="70" name="正方形/長方形 69">
+            <a:extLst>
+              <a:ext uri="{FF2B5EF4-FFF2-40B4-BE49-F238E27FC236}">
+                <a16:creationId xmlns:a16="http://schemas.microsoft.com/office/drawing/2014/main" id="{03EB2A95-7A16-464C-BBAA-06AEA91739E0}"/>
+              </a:ext>
+            </a:extLst>
+          </p:cNvPr>
+          <p:cNvSpPr/>
+          <p:nvPr/>
+        </p:nvSpPr>
+        <p:spPr>
+          <a:xfrm>
+            <a:off x="2014151" y="4343399"/>
+            <a:ext cx="222413" cy="539228"/>
+          </a:xfrm>
+          <a:prstGeom prst="rect">
+            <a:avLst/>
+          </a:prstGeom>
+          <a:noFill/>
+        </p:spPr>
+        <p:style>
+          <a:lnRef idx="2">
+            <a:schemeClr val="accent1">
+              <a:shade val="50000"/>
+            </a:schemeClr>
+          </a:lnRef>
+          <a:fillRef idx="1">
+            <a:schemeClr val="accent1"/>
+          </a:fillRef>
+          <a:effectRef idx="0">
+            <a:schemeClr val="accent1"/>
+          </a:effectRef>
+          <a:fontRef idx="minor">
+            <a:schemeClr val="lt1"/>
+          </a:fontRef>
+        </p:style>
+        <p:txBody>
+          <a:bodyPr rtlCol="0" anchor="ctr"/>
+          <a:lstStyle/>
+          <a:p>
+            <a:pPr algn="ctr"/>
+            <a:r>
+              <a:rPr kumimoji="1" lang="en-US" altLang="ja-JP" dirty="0">
+                <a:solidFill>
+                  <a:schemeClr val="tx1"/>
+                </a:solidFill>
+              </a:rPr>
+              <a:t>R3</a:t>
+            </a:r>
+            <a:endParaRPr kumimoji="1" lang="ja-JP" altLang="en-US" dirty="0">
+              <a:solidFill>
+                <a:schemeClr val="tx1"/>
+              </a:solidFill>
+            </a:endParaRPr>
+          </a:p>
+        </p:txBody>
+      </p:sp>
+      <p:sp>
+        <p:nvSpPr>
+          <p:cNvPr id="135" name="正方形/長方形 134">
+            <a:extLst>
+              <a:ext uri="{FF2B5EF4-FFF2-40B4-BE49-F238E27FC236}">
+                <a16:creationId xmlns:a16="http://schemas.microsoft.com/office/drawing/2014/main" id="{73FBA71C-3535-491A-989A-A1F17EA49CB6}"/>
+              </a:ext>
+            </a:extLst>
+          </p:cNvPr>
+          <p:cNvSpPr/>
+          <p:nvPr/>
+        </p:nvSpPr>
+        <p:spPr>
+          <a:xfrm>
+            <a:off x="1442268" y="4343399"/>
+            <a:ext cx="222413" cy="539228"/>
+          </a:xfrm>
+          <a:prstGeom prst="rect">
+            <a:avLst/>
+          </a:prstGeom>
+          <a:noFill/>
+        </p:spPr>
+        <p:style>
+          <a:lnRef idx="2">
+            <a:schemeClr val="accent1">
+              <a:shade val="50000"/>
+            </a:schemeClr>
+          </a:lnRef>
+          <a:fillRef idx="1">
+            <a:schemeClr val="accent1"/>
+          </a:fillRef>
+          <a:effectRef idx="0">
+            <a:schemeClr val="accent1"/>
+          </a:effectRef>
+          <a:fontRef idx="minor">
+            <a:schemeClr val="lt1"/>
+          </a:fontRef>
+        </p:style>
+        <p:txBody>
+          <a:bodyPr rtlCol="0" anchor="ctr"/>
+          <a:lstStyle/>
+          <a:p>
+            <a:pPr algn="ctr"/>
+            <a:r>
+              <a:rPr kumimoji="1" lang="en-US" altLang="ja-JP" dirty="0">
+                <a:solidFill>
+                  <a:schemeClr val="tx1"/>
+                </a:solidFill>
+              </a:rPr>
+              <a:t>R2</a:t>
+            </a:r>
+            <a:endParaRPr kumimoji="1" lang="ja-JP" altLang="en-US" dirty="0">
+              <a:solidFill>
+                <a:schemeClr val="tx1"/>
+              </a:solidFill>
+            </a:endParaRPr>
+          </a:p>
+        </p:txBody>
+      </p:sp>
+      <p:sp>
+        <p:nvSpPr>
+          <p:cNvPr id="136" name="正方形/長方形 135">
+            <a:extLst>
+              <a:ext uri="{FF2B5EF4-FFF2-40B4-BE49-F238E27FC236}">
+                <a16:creationId xmlns:a16="http://schemas.microsoft.com/office/drawing/2014/main" id="{CDD1F560-48B7-47C0-A1E4-F6990447B700}"/>
+              </a:ext>
+            </a:extLst>
+          </p:cNvPr>
+          <p:cNvSpPr/>
+          <p:nvPr/>
+        </p:nvSpPr>
+        <p:spPr>
+          <a:xfrm>
+            <a:off x="870384" y="4343399"/>
+            <a:ext cx="254575" cy="539228"/>
+          </a:xfrm>
+          <a:prstGeom prst="rect">
+            <a:avLst/>
+          </a:prstGeom>
+          <a:noFill/>
+        </p:spPr>
+        <p:style>
+          <a:lnRef idx="2">
+            <a:schemeClr val="accent1">
+              <a:shade val="50000"/>
+            </a:schemeClr>
+          </a:lnRef>
+          <a:fillRef idx="1">
+            <a:schemeClr val="accent1"/>
+          </a:fillRef>
+          <a:effectRef idx="0">
+            <a:schemeClr val="accent1"/>
+          </a:effectRef>
+          <a:fontRef idx="minor">
+            <a:schemeClr val="lt1"/>
+          </a:fontRef>
+        </p:style>
+        <p:txBody>
+          <a:bodyPr rtlCol="0" anchor="ctr"/>
+          <a:lstStyle/>
+          <a:p>
+            <a:pPr algn="ctr"/>
+            <a:r>
+              <a:rPr kumimoji="1" lang="en-US" altLang="ja-JP" dirty="0">
+                <a:solidFill>
+                  <a:schemeClr val="tx1"/>
+                </a:solidFill>
+              </a:rPr>
+              <a:t>R1</a:t>
+            </a:r>
+            <a:endParaRPr kumimoji="1" lang="ja-JP" altLang="en-US" dirty="0">
+              <a:solidFill>
+                <a:schemeClr val="tx1"/>
+              </a:solidFill>
+            </a:endParaRPr>
+          </a:p>
+        </p:txBody>
+      </p:sp>
+      <p:cxnSp>
+        <p:nvCxnSpPr>
+          <p:cNvPr id="74" name="直線コネクタ 73">
+            <a:extLst>
+              <a:ext uri="{FF2B5EF4-FFF2-40B4-BE49-F238E27FC236}">
+                <a16:creationId xmlns:a16="http://schemas.microsoft.com/office/drawing/2014/main" id="{005864F0-DF39-4C30-9109-7C0051DC2874}"/>
+              </a:ext>
+            </a:extLst>
+          </p:cNvPr>
+          <p:cNvCxnSpPr>
+            <a:stCxn id="70" idx="2"/>
+          </p:cNvCxnSpPr>
+          <p:nvPr/>
+        </p:nvCxnSpPr>
+        <p:spPr>
+          <a:xfrm>
+            <a:off x="2125358" y="4882627"/>
+            <a:ext cx="4" cy="455487"/>
+          </a:xfrm>
+          <a:prstGeom prst="line">
+            <a:avLst/>
+          </a:prstGeom>
+        </p:spPr>
+        <p:style>
+          <a:lnRef idx="1">
+            <a:schemeClr val="accent1"/>
+          </a:lnRef>
+          <a:fillRef idx="0">
+            <a:schemeClr val="accent1"/>
+          </a:fillRef>
+          <a:effectRef idx="0">
+            <a:schemeClr val="accent1"/>
+          </a:effectRef>
+          <a:fontRef idx="minor">
+            <a:schemeClr val="tx1"/>
+          </a:fontRef>
+        </p:style>
+      </p:cxnSp>
+      <p:cxnSp>
+        <p:nvCxnSpPr>
+          <p:cNvPr id="76" name="直線コネクタ 75">
+            <a:extLst>
+              <a:ext uri="{FF2B5EF4-FFF2-40B4-BE49-F238E27FC236}">
+                <a16:creationId xmlns:a16="http://schemas.microsoft.com/office/drawing/2014/main" id="{D3673BAB-07BA-480D-91B1-DC1A2DBA8AF4}"/>
+              </a:ext>
+            </a:extLst>
+          </p:cNvPr>
+          <p:cNvCxnSpPr/>
+          <p:nvPr/>
+        </p:nvCxnSpPr>
+        <p:spPr>
+          <a:xfrm>
+            <a:off x="2125359" y="5338114"/>
+            <a:ext cx="1458099" cy="0"/>
+          </a:xfrm>
+          <a:prstGeom prst="line">
+            <a:avLst/>
+          </a:prstGeom>
+        </p:spPr>
+        <p:style>
+          <a:lnRef idx="1">
+            <a:schemeClr val="accent1"/>
+          </a:lnRef>
+          <a:fillRef idx="0">
+            <a:schemeClr val="accent1"/>
+          </a:fillRef>
+          <a:effectRef idx="0">
+            <a:schemeClr val="accent1"/>
+          </a:effectRef>
+          <a:fontRef idx="minor">
+            <a:schemeClr val="tx1"/>
+          </a:fontRef>
+        </p:style>
+      </p:cxnSp>
+      <p:cxnSp>
+        <p:nvCxnSpPr>
+          <p:cNvPr id="138" name="直線コネクタ 137">
+            <a:extLst>
+              <a:ext uri="{FF2B5EF4-FFF2-40B4-BE49-F238E27FC236}">
+                <a16:creationId xmlns:a16="http://schemas.microsoft.com/office/drawing/2014/main" id="{97ECB0AE-A274-4B8D-95B1-C2B315ADB0D1}"/>
+              </a:ext>
+            </a:extLst>
+          </p:cNvPr>
+          <p:cNvCxnSpPr>
+            <a:stCxn id="70" idx="0"/>
+          </p:cNvCxnSpPr>
+          <p:nvPr/>
+        </p:nvCxnSpPr>
+        <p:spPr>
+          <a:xfrm flipV="1">
+            <a:off x="2125358" y="4015945"/>
+            <a:ext cx="0" cy="327454"/>
+          </a:xfrm>
+          <a:prstGeom prst="line">
+            <a:avLst/>
+          </a:prstGeom>
+        </p:spPr>
+        <p:style>
+          <a:lnRef idx="1">
+            <a:schemeClr val="accent1"/>
+          </a:lnRef>
+          <a:fillRef idx="0">
+            <a:schemeClr val="accent1"/>
+          </a:fillRef>
+          <a:effectRef idx="0">
+            <a:schemeClr val="accent1"/>
+          </a:effectRef>
+          <a:fontRef idx="minor">
+            <a:schemeClr val="tx1"/>
+          </a:fontRef>
+        </p:style>
+      </p:cxnSp>
+      <p:cxnSp>
+        <p:nvCxnSpPr>
+          <p:cNvPr id="140" name="直線コネクタ 139">
+            <a:extLst>
+              <a:ext uri="{FF2B5EF4-FFF2-40B4-BE49-F238E27FC236}">
+                <a16:creationId xmlns:a16="http://schemas.microsoft.com/office/drawing/2014/main" id="{14893BA3-D8EB-49D0-B143-6ABEF1EF5D43}"/>
+              </a:ext>
+            </a:extLst>
+          </p:cNvPr>
+          <p:cNvCxnSpPr>
+            <a:cxnSpLocks/>
+          </p:cNvCxnSpPr>
+          <p:nvPr/>
+        </p:nvCxnSpPr>
+        <p:spPr>
+          <a:xfrm flipH="1">
+            <a:off x="247135" y="4015945"/>
+            <a:ext cx="1878224" cy="12357"/>
+          </a:xfrm>
+          <a:prstGeom prst="line">
+            <a:avLst/>
+          </a:prstGeom>
+        </p:spPr>
+        <p:style>
+          <a:lnRef idx="1">
+            <a:schemeClr val="accent1"/>
+          </a:lnRef>
+          <a:fillRef idx="0">
+            <a:schemeClr val="accent1"/>
+          </a:fillRef>
+          <a:effectRef idx="0">
+            <a:schemeClr val="accent1"/>
+          </a:effectRef>
+          <a:fontRef idx="minor">
+            <a:schemeClr val="tx1"/>
+          </a:fontRef>
+        </p:style>
+      </p:cxnSp>
+      <p:cxnSp>
+        <p:nvCxnSpPr>
+          <p:cNvPr id="144" name="直線コネクタ 143">
+            <a:extLst>
+              <a:ext uri="{FF2B5EF4-FFF2-40B4-BE49-F238E27FC236}">
+                <a16:creationId xmlns:a16="http://schemas.microsoft.com/office/drawing/2014/main" id="{9FEE9B13-49E8-44DF-83AC-6C8303C97AD1}"/>
+              </a:ext>
+            </a:extLst>
+          </p:cNvPr>
+          <p:cNvCxnSpPr/>
+          <p:nvPr/>
+        </p:nvCxnSpPr>
+        <p:spPr>
+          <a:xfrm>
+            <a:off x="247135" y="3979802"/>
+            <a:ext cx="0" cy="2199504"/>
+          </a:xfrm>
+          <a:prstGeom prst="line">
+            <a:avLst/>
+          </a:prstGeom>
+        </p:spPr>
+        <p:style>
+          <a:lnRef idx="1">
+            <a:schemeClr val="accent1"/>
+          </a:lnRef>
+          <a:fillRef idx="0">
+            <a:schemeClr val="accent1"/>
+          </a:fillRef>
+          <a:effectRef idx="0">
+            <a:schemeClr val="accent1"/>
+          </a:effectRef>
+          <a:fontRef idx="minor">
+            <a:schemeClr val="tx1"/>
+          </a:fontRef>
+        </p:style>
+      </p:cxnSp>
+      <p:sp>
+        <p:nvSpPr>
+          <p:cNvPr id="145" name="テキスト ボックス 144">
+            <a:extLst>
+              <a:ext uri="{FF2B5EF4-FFF2-40B4-BE49-F238E27FC236}">
+                <a16:creationId xmlns:a16="http://schemas.microsoft.com/office/drawing/2014/main" id="{FDD7F557-92E2-4460-A7F2-2160B5EF1BE0}"/>
+              </a:ext>
+            </a:extLst>
+          </p:cNvPr>
+          <p:cNvSpPr txBox="1"/>
+          <p:nvPr/>
+        </p:nvSpPr>
+        <p:spPr>
+          <a:xfrm>
+            <a:off x="90682" y="6290276"/>
+            <a:ext cx="312906" cy="369332"/>
+          </a:xfrm>
+          <a:prstGeom prst="rect">
+            <a:avLst/>
+          </a:prstGeom>
+          <a:noFill/>
+        </p:spPr>
+        <p:txBody>
+          <a:bodyPr wrap="square" rtlCol="0">
+            <a:spAutoFit/>
+          </a:bodyPr>
+          <a:lstStyle/>
+          <a:p>
+            <a:r>
+              <a:rPr kumimoji="1" lang="en-US" altLang="ja-JP" dirty="0"/>
+              <a:t>1</a:t>
+            </a:r>
+            <a:endParaRPr kumimoji="1" lang="ja-JP" altLang="en-US" dirty="0"/>
+          </a:p>
+        </p:txBody>
+      </p:sp>
+      <p:cxnSp>
+        <p:nvCxnSpPr>
+          <p:cNvPr id="147" name="直線コネクタ 146">
+            <a:extLst>
+              <a:ext uri="{FF2B5EF4-FFF2-40B4-BE49-F238E27FC236}">
+                <a16:creationId xmlns:a16="http://schemas.microsoft.com/office/drawing/2014/main" id="{2AC8C2AD-594A-4EC9-B563-D5FFDE1335FF}"/>
+              </a:ext>
+            </a:extLst>
+          </p:cNvPr>
+          <p:cNvCxnSpPr>
+            <a:endCxn id="136" idx="0"/>
+          </p:cNvCxnSpPr>
+          <p:nvPr/>
+        </p:nvCxnSpPr>
+        <p:spPr>
+          <a:xfrm>
+            <a:off x="997671" y="4028302"/>
+            <a:ext cx="1" cy="315097"/>
+          </a:xfrm>
+          <a:prstGeom prst="line">
+            <a:avLst/>
+          </a:prstGeom>
+        </p:spPr>
+        <p:style>
+          <a:lnRef idx="1">
+            <a:schemeClr val="accent1"/>
+          </a:lnRef>
+          <a:fillRef idx="0">
+            <a:schemeClr val="accent1"/>
+          </a:fillRef>
+          <a:effectRef idx="0">
+            <a:schemeClr val="accent1"/>
+          </a:effectRef>
+          <a:fontRef idx="minor">
+            <a:schemeClr val="tx1"/>
+          </a:fontRef>
+        </p:style>
+      </p:cxnSp>
+      <p:cxnSp>
+        <p:nvCxnSpPr>
+          <p:cNvPr id="149" name="直線コネクタ 148">
+            <a:extLst>
+              <a:ext uri="{FF2B5EF4-FFF2-40B4-BE49-F238E27FC236}">
+                <a16:creationId xmlns:a16="http://schemas.microsoft.com/office/drawing/2014/main" id="{68C4CE28-3090-466E-AD5E-4825B68E7AD5}"/>
+              </a:ext>
+            </a:extLst>
+          </p:cNvPr>
+          <p:cNvCxnSpPr>
+            <a:stCxn id="135" idx="0"/>
+          </p:cNvCxnSpPr>
+          <p:nvPr/>
+        </p:nvCxnSpPr>
+        <p:spPr>
+          <a:xfrm flipH="1" flipV="1">
+            <a:off x="1547299" y="4028302"/>
+            <a:ext cx="6176" cy="315097"/>
+          </a:xfrm>
+          <a:prstGeom prst="line">
+            <a:avLst/>
+          </a:prstGeom>
+        </p:spPr>
+        <p:style>
+          <a:lnRef idx="1">
+            <a:schemeClr val="accent1"/>
+          </a:lnRef>
+          <a:fillRef idx="0">
+            <a:schemeClr val="accent1"/>
+          </a:fillRef>
+          <a:effectRef idx="0">
+            <a:schemeClr val="accent1"/>
+          </a:effectRef>
+          <a:fontRef idx="minor">
+            <a:schemeClr val="tx1"/>
+          </a:fontRef>
+        </p:style>
+      </p:cxnSp>
+      <p:sp>
+        <p:nvSpPr>
+          <p:cNvPr id="150" name="フローチャート: 結合子 149">
+            <a:extLst>
+              <a:ext uri="{FF2B5EF4-FFF2-40B4-BE49-F238E27FC236}">
+                <a16:creationId xmlns:a16="http://schemas.microsoft.com/office/drawing/2014/main" id="{BFC245C6-597B-490D-B9FB-F928B62AFD54}"/>
+              </a:ext>
+            </a:extLst>
+          </p:cNvPr>
+          <p:cNvSpPr/>
+          <p:nvPr/>
+        </p:nvSpPr>
+        <p:spPr>
+          <a:xfrm>
+            <a:off x="1525799" y="3979802"/>
+            <a:ext cx="61805" cy="72286"/>
+          </a:xfrm>
+          <a:prstGeom prst="flowChartConnector">
+            <a:avLst/>
+          </a:prstGeom>
+          <a:solidFill>
+            <a:schemeClr val="tx1"/>
+          </a:solidFill>
+        </p:spPr>
+        <p:style>
+          <a:lnRef idx="2">
+            <a:schemeClr val="accent1">
+              <a:shade val="50000"/>
+            </a:schemeClr>
+          </a:lnRef>
+          <a:fillRef idx="1">
+            <a:schemeClr val="accent1"/>
+          </a:fillRef>
+          <a:effectRef idx="0">
+            <a:schemeClr val="accent1"/>
+          </a:effectRef>
+          <a:fontRef idx="minor">
+            <a:schemeClr val="lt1"/>
+          </a:fontRef>
+        </p:style>
+        <p:txBody>
+          <a:bodyPr rtlCol="0" anchor="ctr"/>
+          <a:lstStyle/>
+          <a:p>
+            <a:pPr algn="ctr"/>
+            <a:endParaRPr kumimoji="1" lang="ja-JP" altLang="en-US"/>
+          </a:p>
+        </p:txBody>
+      </p:sp>
+      <p:sp>
+        <p:nvSpPr>
+          <p:cNvPr id="152" name="フローチャート: 結合子 151">
+            <a:extLst>
+              <a:ext uri="{FF2B5EF4-FFF2-40B4-BE49-F238E27FC236}">
+                <a16:creationId xmlns:a16="http://schemas.microsoft.com/office/drawing/2014/main" id="{F41B6BD4-43C8-4BAA-BF7C-62CAE38B3C43}"/>
+              </a:ext>
+            </a:extLst>
+          </p:cNvPr>
+          <p:cNvSpPr/>
+          <p:nvPr/>
+        </p:nvSpPr>
+        <p:spPr>
+          <a:xfrm>
+            <a:off x="994440" y="3992159"/>
+            <a:ext cx="61805" cy="72286"/>
+          </a:xfrm>
+          <a:prstGeom prst="flowChartConnector">
+            <a:avLst/>
+          </a:prstGeom>
+          <a:solidFill>
+            <a:schemeClr val="tx1"/>
+          </a:solidFill>
+        </p:spPr>
+        <p:style>
+          <a:lnRef idx="2">
+            <a:schemeClr val="accent1">
+              <a:shade val="50000"/>
+            </a:schemeClr>
+          </a:lnRef>
+          <a:fillRef idx="1">
+            <a:schemeClr val="accent1"/>
+          </a:fillRef>
+          <a:effectRef idx="0">
+            <a:schemeClr val="accent1"/>
+          </a:effectRef>
+          <a:fontRef idx="minor">
+            <a:schemeClr val="lt1"/>
+          </a:fontRef>
+        </p:style>
+        <p:txBody>
+          <a:bodyPr rtlCol="0" anchor="ctr"/>
+          <a:lstStyle/>
+          <a:p>
+            <a:pPr algn="ctr"/>
+            <a:endParaRPr kumimoji="1" lang="ja-JP" altLang="en-US"/>
+          </a:p>
+        </p:txBody>
+      </p:sp>
+      <p:cxnSp>
+        <p:nvCxnSpPr>
+          <p:cNvPr id="156" name="直線コネクタ 155">
+            <a:extLst>
+              <a:ext uri="{FF2B5EF4-FFF2-40B4-BE49-F238E27FC236}">
+                <a16:creationId xmlns:a16="http://schemas.microsoft.com/office/drawing/2014/main" id="{C9B72DEA-F9D5-42DE-837D-15646D77BBD2}"/>
+              </a:ext>
+            </a:extLst>
+          </p:cNvPr>
+          <p:cNvCxnSpPr>
+            <a:cxnSpLocks/>
+          </p:cNvCxnSpPr>
+          <p:nvPr/>
+        </p:nvCxnSpPr>
+        <p:spPr>
+          <a:xfrm flipH="1">
+            <a:off x="247135" y="6067168"/>
+            <a:ext cx="4406066" cy="0"/>
+          </a:xfrm>
+          <a:prstGeom prst="line">
+            <a:avLst/>
+          </a:prstGeom>
+        </p:spPr>
+        <p:style>
+          <a:lnRef idx="1">
+            <a:schemeClr val="accent1"/>
+          </a:lnRef>
+          <a:fillRef idx="0">
+            <a:schemeClr val="accent1"/>
+          </a:fillRef>
+          <a:effectRef idx="0">
+            <a:schemeClr val="accent1"/>
+          </a:effectRef>
+          <a:fontRef idx="minor">
+            <a:schemeClr val="tx1"/>
+          </a:fontRef>
+        </p:style>
+      </p:cxnSp>
+      <p:cxnSp>
+        <p:nvCxnSpPr>
+          <p:cNvPr id="160" name="直線コネクタ 159">
+            <a:extLst>
+              <a:ext uri="{FF2B5EF4-FFF2-40B4-BE49-F238E27FC236}">
+                <a16:creationId xmlns:a16="http://schemas.microsoft.com/office/drawing/2014/main" id="{5FEB0786-C362-43FC-A681-8DC360A87888}"/>
+              </a:ext>
+            </a:extLst>
+          </p:cNvPr>
+          <p:cNvCxnSpPr/>
+          <p:nvPr/>
+        </p:nvCxnSpPr>
+        <p:spPr>
+          <a:xfrm>
+            <a:off x="4396010" y="6215449"/>
+            <a:ext cx="740908" cy="0"/>
+          </a:xfrm>
+          <a:prstGeom prst="line">
+            <a:avLst/>
+          </a:prstGeom>
+        </p:spPr>
+        <p:style>
+          <a:lnRef idx="1">
+            <a:schemeClr val="accent1"/>
+          </a:lnRef>
+          <a:fillRef idx="0">
+            <a:schemeClr val="accent1"/>
+          </a:fillRef>
+          <a:effectRef idx="0">
+            <a:schemeClr val="accent1"/>
+          </a:effectRef>
+          <a:fontRef idx="minor">
+            <a:schemeClr val="tx1"/>
+          </a:fontRef>
+        </p:style>
+      </p:cxnSp>
+      <p:sp>
+        <p:nvSpPr>
+          <p:cNvPr id="161" name="テキスト ボックス 160">
+            <a:extLst>
+              <a:ext uri="{FF2B5EF4-FFF2-40B4-BE49-F238E27FC236}">
+                <a16:creationId xmlns:a16="http://schemas.microsoft.com/office/drawing/2014/main" id="{10E5C7B4-1E8F-4692-9B24-80D51A242716}"/>
+              </a:ext>
+            </a:extLst>
+          </p:cNvPr>
+          <p:cNvSpPr txBox="1"/>
+          <p:nvPr/>
+        </p:nvSpPr>
+        <p:spPr>
+          <a:xfrm>
+            <a:off x="4239557" y="6401488"/>
+            <a:ext cx="312906" cy="369332"/>
+          </a:xfrm>
+          <a:prstGeom prst="rect">
+            <a:avLst/>
+          </a:prstGeom>
+          <a:noFill/>
+        </p:spPr>
+        <p:txBody>
+          <a:bodyPr wrap="square" rtlCol="0">
+            <a:spAutoFit/>
+          </a:bodyPr>
+          <a:lstStyle/>
+          <a:p>
+            <a:r>
+              <a:rPr lang="en-US" altLang="ja-JP" dirty="0"/>
+              <a:t>6</a:t>
+            </a:r>
+          </a:p>
+        </p:txBody>
+      </p:sp>
+      <p:cxnSp>
+        <p:nvCxnSpPr>
+          <p:cNvPr id="169" name="直線コネクタ 168">
+            <a:extLst>
+              <a:ext uri="{FF2B5EF4-FFF2-40B4-BE49-F238E27FC236}">
+                <a16:creationId xmlns:a16="http://schemas.microsoft.com/office/drawing/2014/main" id="{7B6DA6A9-C304-4E52-9E4B-034B9797AC3D}"/>
+              </a:ext>
+            </a:extLst>
+          </p:cNvPr>
+          <p:cNvCxnSpPr/>
+          <p:nvPr/>
+        </p:nvCxnSpPr>
+        <p:spPr>
+          <a:xfrm flipH="1">
+            <a:off x="1124959" y="5742798"/>
+            <a:ext cx="2965127" cy="0"/>
+          </a:xfrm>
+          <a:prstGeom prst="line">
+            <a:avLst/>
+          </a:prstGeom>
+        </p:spPr>
+        <p:style>
+          <a:lnRef idx="1">
+            <a:schemeClr val="accent1"/>
+          </a:lnRef>
+          <a:fillRef idx="0">
+            <a:schemeClr val="accent1"/>
+          </a:fillRef>
+          <a:effectRef idx="0">
+            <a:schemeClr val="accent1"/>
+          </a:effectRef>
+          <a:fontRef idx="minor">
+            <a:schemeClr val="tx1"/>
+          </a:fontRef>
+        </p:style>
+      </p:cxnSp>
+      <p:cxnSp>
+        <p:nvCxnSpPr>
+          <p:cNvPr id="171" name="直線コネクタ 170">
+            <a:extLst>
+              <a:ext uri="{FF2B5EF4-FFF2-40B4-BE49-F238E27FC236}">
+                <a16:creationId xmlns:a16="http://schemas.microsoft.com/office/drawing/2014/main" id="{B4C95BAA-1C84-49DA-882F-A03A6807D847}"/>
+              </a:ext>
+            </a:extLst>
+          </p:cNvPr>
+          <p:cNvCxnSpPr/>
+          <p:nvPr/>
+        </p:nvCxnSpPr>
+        <p:spPr>
+          <a:xfrm flipH="1">
+            <a:off x="753762" y="5538910"/>
+            <a:ext cx="3089189" cy="0"/>
+          </a:xfrm>
+          <a:prstGeom prst="line">
+            <a:avLst/>
+          </a:prstGeom>
+        </p:spPr>
+        <p:style>
+          <a:lnRef idx="1">
+            <a:schemeClr val="accent1"/>
+          </a:lnRef>
+          <a:fillRef idx="0">
+            <a:schemeClr val="accent1"/>
+          </a:fillRef>
+          <a:effectRef idx="0">
+            <a:schemeClr val="accent1"/>
+          </a:effectRef>
+          <a:fontRef idx="minor">
+            <a:schemeClr val="tx1"/>
+          </a:fontRef>
+        </p:style>
+      </p:cxnSp>
+      <p:cxnSp>
+        <p:nvCxnSpPr>
+          <p:cNvPr id="173" name="直線コネクタ 172">
+            <a:extLst>
+              <a:ext uri="{FF2B5EF4-FFF2-40B4-BE49-F238E27FC236}">
+                <a16:creationId xmlns:a16="http://schemas.microsoft.com/office/drawing/2014/main" id="{EEEE09DD-3E8D-4666-AFB4-5218C9D5446D}"/>
+              </a:ext>
+            </a:extLst>
+          </p:cNvPr>
+          <p:cNvCxnSpPr>
+            <a:stCxn id="135" idx="2"/>
+          </p:cNvCxnSpPr>
+          <p:nvPr/>
+        </p:nvCxnSpPr>
+        <p:spPr>
+          <a:xfrm>
+            <a:off x="1553475" y="4882627"/>
+            <a:ext cx="3226" cy="860171"/>
+          </a:xfrm>
+          <a:prstGeom prst="line">
+            <a:avLst/>
+          </a:prstGeom>
+        </p:spPr>
+        <p:style>
+          <a:lnRef idx="1">
+            <a:schemeClr val="accent1"/>
+          </a:lnRef>
+          <a:fillRef idx="0">
+            <a:schemeClr val="accent1"/>
+          </a:fillRef>
+          <a:effectRef idx="0">
+            <a:schemeClr val="accent1"/>
+          </a:effectRef>
+          <a:fontRef idx="minor">
+            <a:schemeClr val="tx1"/>
+          </a:fontRef>
+        </p:style>
+      </p:cxnSp>
+      <p:cxnSp>
+        <p:nvCxnSpPr>
+          <p:cNvPr id="175" name="直線コネクタ 174">
+            <a:extLst>
+              <a:ext uri="{FF2B5EF4-FFF2-40B4-BE49-F238E27FC236}">
+                <a16:creationId xmlns:a16="http://schemas.microsoft.com/office/drawing/2014/main" id="{CE411462-D9BB-4544-93E6-39289C515897}"/>
+              </a:ext>
+            </a:extLst>
+          </p:cNvPr>
+          <p:cNvCxnSpPr>
+            <a:stCxn id="136" idx="2"/>
+          </p:cNvCxnSpPr>
+          <p:nvPr/>
+        </p:nvCxnSpPr>
+        <p:spPr>
+          <a:xfrm>
+            <a:off x="997672" y="4882627"/>
+            <a:ext cx="4072" cy="656283"/>
+          </a:xfrm>
+          <a:prstGeom prst="line">
+            <a:avLst/>
+          </a:prstGeom>
+        </p:spPr>
+        <p:style>
+          <a:lnRef idx="1">
+            <a:schemeClr val="accent1"/>
+          </a:lnRef>
+          <a:fillRef idx="0">
+            <a:schemeClr val="accent1"/>
+          </a:fillRef>
+          <a:effectRef idx="0">
+            <a:schemeClr val="accent1"/>
+          </a:effectRef>
+          <a:fontRef idx="minor">
+            <a:schemeClr val="tx1"/>
+          </a:fontRef>
+        </p:style>
+      </p:cxnSp>
+      <p:sp>
+        <p:nvSpPr>
+          <p:cNvPr id="176" name="フローチャート: 結合子 175">
+            <a:extLst>
+              <a:ext uri="{FF2B5EF4-FFF2-40B4-BE49-F238E27FC236}">
+                <a16:creationId xmlns:a16="http://schemas.microsoft.com/office/drawing/2014/main" id="{0BF3C041-1A7F-49FC-B1DE-184838CD2ACD}"/>
+              </a:ext>
+            </a:extLst>
+          </p:cNvPr>
+          <p:cNvSpPr/>
+          <p:nvPr/>
+        </p:nvSpPr>
+        <p:spPr>
+          <a:xfrm>
+            <a:off x="958216" y="5502767"/>
+            <a:ext cx="61805" cy="72286"/>
+          </a:xfrm>
+          <a:prstGeom prst="flowChartConnector">
+            <a:avLst/>
+          </a:prstGeom>
+          <a:solidFill>
+            <a:schemeClr val="tx1"/>
+          </a:solidFill>
+        </p:spPr>
+        <p:style>
+          <a:lnRef idx="2">
+            <a:schemeClr val="accent1">
+              <a:shade val="50000"/>
+            </a:schemeClr>
+          </a:lnRef>
+          <a:fillRef idx="1">
+            <a:schemeClr val="accent1"/>
+          </a:fillRef>
+          <a:effectRef idx="0">
+            <a:schemeClr val="accent1"/>
+          </a:effectRef>
+          <a:fontRef idx="minor">
+            <a:schemeClr val="lt1"/>
+          </a:fontRef>
+        </p:style>
+        <p:txBody>
+          <a:bodyPr rtlCol="0" anchor="ctr"/>
+          <a:lstStyle/>
+          <a:p>
+            <a:pPr algn="ctr"/>
+            <a:endParaRPr kumimoji="1" lang="ja-JP" altLang="en-US"/>
+          </a:p>
+        </p:txBody>
+      </p:sp>
+      <p:sp>
+        <p:nvSpPr>
+          <p:cNvPr id="177" name="フローチャート: 結合子 176">
+            <a:extLst>
+              <a:ext uri="{FF2B5EF4-FFF2-40B4-BE49-F238E27FC236}">
+                <a16:creationId xmlns:a16="http://schemas.microsoft.com/office/drawing/2014/main" id="{1732A1E8-CD18-4968-B73C-70033163EF03}"/>
+              </a:ext>
+            </a:extLst>
+          </p:cNvPr>
+          <p:cNvSpPr/>
+          <p:nvPr/>
+        </p:nvSpPr>
+        <p:spPr>
+          <a:xfrm>
+            <a:off x="1547299" y="5703563"/>
+            <a:ext cx="61805" cy="72286"/>
+          </a:xfrm>
+          <a:prstGeom prst="flowChartConnector">
+            <a:avLst/>
+          </a:prstGeom>
+          <a:solidFill>
+            <a:schemeClr val="tx1"/>
+          </a:solidFill>
+        </p:spPr>
+        <p:style>
+          <a:lnRef idx="2">
+            <a:schemeClr val="accent1">
+              <a:shade val="50000"/>
+            </a:schemeClr>
+          </a:lnRef>
+          <a:fillRef idx="1">
+            <a:schemeClr val="accent1"/>
+          </a:fillRef>
+          <a:effectRef idx="0">
+            <a:schemeClr val="accent1"/>
+          </a:effectRef>
+          <a:fontRef idx="minor">
+            <a:schemeClr val="lt1"/>
+          </a:fontRef>
+        </p:style>
+        <p:txBody>
+          <a:bodyPr rtlCol="0" anchor="ctr"/>
+          <a:lstStyle/>
+          <a:p>
+            <a:pPr algn="ctr"/>
+            <a:endParaRPr kumimoji="1" lang="ja-JP" altLang="en-US"/>
+          </a:p>
+        </p:txBody>
+      </p:sp>
+      <p:sp>
+        <p:nvSpPr>
+          <p:cNvPr id="178" name="テキスト ボックス 177">
+            <a:extLst>
+              <a:ext uri="{FF2B5EF4-FFF2-40B4-BE49-F238E27FC236}">
+                <a16:creationId xmlns:a16="http://schemas.microsoft.com/office/drawing/2014/main" id="{A600F214-04F9-4FC4-9EF5-FF701956C4C0}"/>
+              </a:ext>
+            </a:extLst>
+          </p:cNvPr>
+          <p:cNvSpPr txBox="1"/>
+          <p:nvPr/>
+        </p:nvSpPr>
+        <p:spPr>
+          <a:xfrm>
+            <a:off x="763735" y="5636444"/>
+            <a:ext cx="312906" cy="369332"/>
+          </a:xfrm>
+          <a:prstGeom prst="rect">
+            <a:avLst/>
+          </a:prstGeom>
+          <a:noFill/>
+        </p:spPr>
+        <p:txBody>
+          <a:bodyPr wrap="square" rtlCol="0">
+            <a:spAutoFit/>
+          </a:bodyPr>
+          <a:lstStyle/>
+          <a:p>
+            <a:r>
+              <a:rPr kumimoji="1" lang="en-US" altLang="ja-JP" dirty="0"/>
+              <a:t>3</a:t>
+            </a:r>
+            <a:endParaRPr kumimoji="1" lang="ja-JP" altLang="en-US" dirty="0"/>
+          </a:p>
+        </p:txBody>
+      </p:sp>
+      <p:sp>
+        <p:nvSpPr>
+          <p:cNvPr id="179" name="テキスト ボックス 178">
+            <a:extLst>
+              <a:ext uri="{FF2B5EF4-FFF2-40B4-BE49-F238E27FC236}">
+                <a16:creationId xmlns:a16="http://schemas.microsoft.com/office/drawing/2014/main" id="{3BD18430-CCF7-43E4-B987-58666B820902}"/>
+              </a:ext>
+            </a:extLst>
+          </p:cNvPr>
+          <p:cNvSpPr txBox="1"/>
+          <p:nvPr/>
+        </p:nvSpPr>
+        <p:spPr>
+          <a:xfrm>
+            <a:off x="369445" y="5390387"/>
+            <a:ext cx="312906" cy="369332"/>
+          </a:xfrm>
+          <a:prstGeom prst="rect">
+            <a:avLst/>
+          </a:prstGeom>
+          <a:noFill/>
+        </p:spPr>
+        <p:txBody>
+          <a:bodyPr wrap="square" rtlCol="0">
+            <a:spAutoFit/>
+          </a:bodyPr>
+          <a:lstStyle/>
+          <a:p>
+            <a:r>
+              <a:rPr kumimoji="1" lang="en-US" altLang="ja-JP" dirty="0"/>
+              <a:t>5</a:t>
+            </a:r>
+            <a:endParaRPr kumimoji="1" lang="ja-JP" altLang="en-US" dirty="0"/>
+          </a:p>
+        </p:txBody>
+      </p:sp>
+      <p:sp>
+        <p:nvSpPr>
+          <p:cNvPr id="180" name="テキスト ボックス 179">
+            <a:extLst>
+              <a:ext uri="{FF2B5EF4-FFF2-40B4-BE49-F238E27FC236}">
+                <a16:creationId xmlns:a16="http://schemas.microsoft.com/office/drawing/2014/main" id="{B100A6B7-67B3-44A8-823D-A1FCA30395B2}"/>
+              </a:ext>
+            </a:extLst>
+          </p:cNvPr>
+          <p:cNvSpPr txBox="1"/>
+          <p:nvPr/>
+        </p:nvSpPr>
+        <p:spPr>
+          <a:xfrm>
+            <a:off x="5103219" y="6049570"/>
+            <a:ext cx="755335" cy="369332"/>
+          </a:xfrm>
+          <a:prstGeom prst="rect">
+            <a:avLst/>
+          </a:prstGeom>
+          <a:noFill/>
+        </p:spPr>
+        <p:txBody>
+          <a:bodyPr wrap="none" rtlCol="0">
+            <a:spAutoFit/>
+          </a:bodyPr>
+          <a:lstStyle/>
+          <a:p>
+            <a:r>
+              <a:rPr kumimoji="1" lang="en-US" altLang="ja-JP" dirty="0"/>
+              <a:t>Earth</a:t>
+            </a:r>
+            <a:endParaRPr kumimoji="1" lang="ja-JP" altLang="en-US" dirty="0"/>
+          </a:p>
+        </p:txBody>
+      </p:sp>
+    </p:spTree>
+    <p:extLst>
+      <p:ext uri="{BB962C8B-B14F-4D97-AF65-F5344CB8AC3E}">
+        <p14:creationId xmlns:p14="http://schemas.microsoft.com/office/powerpoint/2010/main" val="2469891302"/>
+      </p:ext>
+    </p:extLst>
+  </p:cSld>
+  <p:clrMapOvr>
+    <a:masterClrMapping/>
+  </p:clrMapOvr>
+</p:sld>
+</file>
+
 <file path=ppt/slides/slide2.xml><?xml version="1.0" encoding="utf-8"?>
 <p:sld xmlns:a="http://schemas.openxmlformats.org/drawingml/2006/main" xmlns:r="http://schemas.openxmlformats.org/officeDocument/2006/relationships" xmlns:p="http://schemas.openxmlformats.org/presentationml/2006/main">
   <p:cSld>

--- a/attendanceManagementDiagram.pptx
+++ b/attendanceManagementDiagram.pptx
@@ -4157,7 +4157,7 @@
         <p:spPr>
           <a:xfrm>
             <a:off x="2236573" y="1035832"/>
-            <a:ext cx="0" cy="1114243"/>
+            <a:ext cx="0" cy="2399955"/>
           </a:xfrm>
           <a:prstGeom prst="line">
             <a:avLst/>
@@ -6399,6 +6399,516 @@
               <a:t>Earth</a:t>
             </a:r>
             <a:endParaRPr kumimoji="1" lang="ja-JP" altLang="en-US" dirty="0"/>
+          </a:p>
+        </p:txBody>
+      </p:sp>
+      <p:sp>
+        <p:nvSpPr>
+          <p:cNvPr id="71" name="正方形/長方形 70">
+            <a:extLst>
+              <a:ext uri="{FF2B5EF4-FFF2-40B4-BE49-F238E27FC236}">
+                <a16:creationId xmlns:a16="http://schemas.microsoft.com/office/drawing/2014/main" id="{E8B6FE8A-225D-4A48-80F5-2FDFF93CB03D}"/>
+              </a:ext>
+            </a:extLst>
+          </p:cNvPr>
+          <p:cNvSpPr/>
+          <p:nvPr/>
+        </p:nvSpPr>
+        <p:spPr>
+          <a:xfrm>
+            <a:off x="3113903" y="2481995"/>
+            <a:ext cx="271848" cy="247135"/>
+          </a:xfrm>
+          <a:prstGeom prst="rect">
+            <a:avLst/>
+          </a:prstGeom>
+          <a:noFill/>
+        </p:spPr>
+        <p:style>
+          <a:lnRef idx="2">
+            <a:schemeClr val="accent1">
+              <a:shade val="50000"/>
+            </a:schemeClr>
+          </a:lnRef>
+          <a:fillRef idx="1">
+            <a:schemeClr val="accent1"/>
+          </a:fillRef>
+          <a:effectRef idx="0">
+            <a:schemeClr val="accent1"/>
+          </a:effectRef>
+          <a:fontRef idx="minor">
+            <a:schemeClr val="lt1"/>
+          </a:fontRef>
+        </p:style>
+        <p:txBody>
+          <a:bodyPr rtlCol="0" anchor="ctr"/>
+          <a:lstStyle/>
+          <a:p>
+            <a:pPr algn="ctr"/>
+            <a:r>
+              <a:rPr kumimoji="1" lang="en-US" altLang="ja-JP" dirty="0">
+                <a:solidFill>
+                  <a:schemeClr val="tx1"/>
+                </a:solidFill>
+              </a:rPr>
+              <a:t>S</a:t>
+            </a:r>
+            <a:endParaRPr kumimoji="1" lang="ja-JP" altLang="en-US" dirty="0">
+              <a:solidFill>
+                <a:schemeClr val="tx1"/>
+              </a:solidFill>
+            </a:endParaRPr>
+          </a:p>
+        </p:txBody>
+      </p:sp>
+      <p:cxnSp>
+        <p:nvCxnSpPr>
+          <p:cNvPr id="72" name="直線コネクタ 71">
+            <a:extLst>
+              <a:ext uri="{FF2B5EF4-FFF2-40B4-BE49-F238E27FC236}">
+                <a16:creationId xmlns:a16="http://schemas.microsoft.com/office/drawing/2014/main" id="{BA006CFF-71EB-46D7-AC97-46B2D73BE0C5}"/>
+              </a:ext>
+            </a:extLst>
+          </p:cNvPr>
+          <p:cNvCxnSpPr>
+            <a:endCxn id="71" idx="1"/>
+          </p:cNvCxnSpPr>
+          <p:nvPr/>
+        </p:nvCxnSpPr>
+        <p:spPr>
+          <a:xfrm>
+            <a:off x="2236573" y="2605562"/>
+            <a:ext cx="877330" cy="1"/>
+          </a:xfrm>
+          <a:prstGeom prst="line">
+            <a:avLst/>
+          </a:prstGeom>
+        </p:spPr>
+        <p:style>
+          <a:lnRef idx="1">
+            <a:schemeClr val="accent1"/>
+          </a:lnRef>
+          <a:fillRef idx="0">
+            <a:schemeClr val="accent1"/>
+          </a:fillRef>
+          <a:effectRef idx="0">
+            <a:schemeClr val="accent1"/>
+          </a:effectRef>
+          <a:fontRef idx="minor">
+            <a:schemeClr val="tx1"/>
+          </a:fontRef>
+        </p:style>
+      </p:cxnSp>
+      <p:cxnSp>
+        <p:nvCxnSpPr>
+          <p:cNvPr id="73" name="直線コネクタ 72">
+            <a:extLst>
+              <a:ext uri="{FF2B5EF4-FFF2-40B4-BE49-F238E27FC236}">
+                <a16:creationId xmlns:a16="http://schemas.microsoft.com/office/drawing/2014/main" id="{21902A4E-955F-40DA-9812-3AB0CFA5DCC1}"/>
+              </a:ext>
+            </a:extLst>
+          </p:cNvPr>
+          <p:cNvCxnSpPr>
+            <a:cxnSpLocks/>
+          </p:cNvCxnSpPr>
+          <p:nvPr/>
+        </p:nvCxnSpPr>
+        <p:spPr>
+          <a:xfrm>
+            <a:off x="3385751" y="2605562"/>
+            <a:ext cx="914400" cy="0"/>
+          </a:xfrm>
+          <a:prstGeom prst="line">
+            <a:avLst/>
+          </a:prstGeom>
+        </p:spPr>
+        <p:style>
+          <a:lnRef idx="1">
+            <a:schemeClr val="accent1"/>
+          </a:lnRef>
+          <a:fillRef idx="0">
+            <a:schemeClr val="accent1"/>
+          </a:fillRef>
+          <a:effectRef idx="0">
+            <a:schemeClr val="accent1"/>
+          </a:effectRef>
+          <a:fontRef idx="minor">
+            <a:schemeClr val="tx1"/>
+          </a:fontRef>
+        </p:style>
+      </p:cxnSp>
+      <p:sp>
+        <p:nvSpPr>
+          <p:cNvPr id="75" name="テキスト ボックス 74">
+            <a:extLst>
+              <a:ext uri="{FF2B5EF4-FFF2-40B4-BE49-F238E27FC236}">
+                <a16:creationId xmlns:a16="http://schemas.microsoft.com/office/drawing/2014/main" id="{0050C437-7CE2-40FD-9FD7-07365F817798}"/>
+              </a:ext>
+            </a:extLst>
+          </p:cNvPr>
+          <p:cNvSpPr txBox="1"/>
+          <p:nvPr/>
+        </p:nvSpPr>
+        <p:spPr>
+          <a:xfrm>
+            <a:off x="4396010" y="2420896"/>
+            <a:ext cx="740908" cy="369332"/>
+          </a:xfrm>
+          <a:prstGeom prst="rect">
+            <a:avLst/>
+          </a:prstGeom>
+          <a:noFill/>
+        </p:spPr>
+        <p:txBody>
+          <a:bodyPr wrap="none" rtlCol="0">
+            <a:spAutoFit/>
+          </a:bodyPr>
+          <a:lstStyle/>
+          <a:p>
+            <a:r>
+              <a:rPr kumimoji="1" lang="en-US" altLang="ja-JP" dirty="0"/>
+              <a:t>GPIO</a:t>
+            </a:r>
+          </a:p>
+        </p:txBody>
+      </p:sp>
+      <p:sp>
+        <p:nvSpPr>
+          <p:cNvPr id="77" name="正方形/長方形 76">
+            <a:extLst>
+              <a:ext uri="{FF2B5EF4-FFF2-40B4-BE49-F238E27FC236}">
+                <a16:creationId xmlns:a16="http://schemas.microsoft.com/office/drawing/2014/main" id="{20FE39A8-90CE-4783-A50B-1BCF9E5E500A}"/>
+              </a:ext>
+            </a:extLst>
+          </p:cNvPr>
+          <p:cNvSpPr/>
+          <p:nvPr/>
+        </p:nvSpPr>
+        <p:spPr>
+          <a:xfrm>
+            <a:off x="3113903" y="2916728"/>
+            <a:ext cx="271848" cy="247135"/>
+          </a:xfrm>
+          <a:prstGeom prst="rect">
+            <a:avLst/>
+          </a:prstGeom>
+          <a:noFill/>
+        </p:spPr>
+        <p:style>
+          <a:lnRef idx="2">
+            <a:schemeClr val="accent1">
+              <a:shade val="50000"/>
+            </a:schemeClr>
+          </a:lnRef>
+          <a:fillRef idx="1">
+            <a:schemeClr val="accent1"/>
+          </a:fillRef>
+          <a:effectRef idx="0">
+            <a:schemeClr val="accent1"/>
+          </a:effectRef>
+          <a:fontRef idx="minor">
+            <a:schemeClr val="lt1"/>
+          </a:fontRef>
+        </p:style>
+        <p:txBody>
+          <a:bodyPr rtlCol="0" anchor="ctr"/>
+          <a:lstStyle/>
+          <a:p>
+            <a:pPr algn="ctr"/>
+            <a:r>
+              <a:rPr kumimoji="1" lang="en-US" altLang="ja-JP" dirty="0">
+                <a:solidFill>
+                  <a:schemeClr val="tx1"/>
+                </a:solidFill>
+              </a:rPr>
+              <a:t>S</a:t>
+            </a:r>
+            <a:endParaRPr kumimoji="1" lang="ja-JP" altLang="en-US" dirty="0">
+              <a:solidFill>
+                <a:schemeClr val="tx1"/>
+              </a:solidFill>
+            </a:endParaRPr>
+          </a:p>
+        </p:txBody>
+      </p:sp>
+      <p:cxnSp>
+        <p:nvCxnSpPr>
+          <p:cNvPr id="78" name="直線コネクタ 77">
+            <a:extLst>
+              <a:ext uri="{FF2B5EF4-FFF2-40B4-BE49-F238E27FC236}">
+                <a16:creationId xmlns:a16="http://schemas.microsoft.com/office/drawing/2014/main" id="{B0304194-2ABC-42A2-9F8D-074157678BA4}"/>
+              </a:ext>
+            </a:extLst>
+          </p:cNvPr>
+          <p:cNvCxnSpPr>
+            <a:endCxn id="77" idx="1"/>
+          </p:cNvCxnSpPr>
+          <p:nvPr/>
+        </p:nvCxnSpPr>
+        <p:spPr>
+          <a:xfrm>
+            <a:off x="2236573" y="3040295"/>
+            <a:ext cx="877330" cy="1"/>
+          </a:xfrm>
+          <a:prstGeom prst="line">
+            <a:avLst/>
+          </a:prstGeom>
+        </p:spPr>
+        <p:style>
+          <a:lnRef idx="1">
+            <a:schemeClr val="accent1"/>
+          </a:lnRef>
+          <a:fillRef idx="0">
+            <a:schemeClr val="accent1"/>
+          </a:fillRef>
+          <a:effectRef idx="0">
+            <a:schemeClr val="accent1"/>
+          </a:effectRef>
+          <a:fontRef idx="minor">
+            <a:schemeClr val="tx1"/>
+          </a:fontRef>
+        </p:style>
+      </p:cxnSp>
+      <p:cxnSp>
+        <p:nvCxnSpPr>
+          <p:cNvPr id="79" name="直線コネクタ 78">
+            <a:extLst>
+              <a:ext uri="{FF2B5EF4-FFF2-40B4-BE49-F238E27FC236}">
+                <a16:creationId xmlns:a16="http://schemas.microsoft.com/office/drawing/2014/main" id="{7F58E176-BA12-4A5F-9FF2-E12C6B569ABD}"/>
+              </a:ext>
+            </a:extLst>
+          </p:cNvPr>
+          <p:cNvCxnSpPr>
+            <a:cxnSpLocks/>
+          </p:cNvCxnSpPr>
+          <p:nvPr/>
+        </p:nvCxnSpPr>
+        <p:spPr>
+          <a:xfrm>
+            <a:off x="3385751" y="3040295"/>
+            <a:ext cx="914400" cy="0"/>
+          </a:xfrm>
+          <a:prstGeom prst="line">
+            <a:avLst/>
+          </a:prstGeom>
+        </p:spPr>
+        <p:style>
+          <a:lnRef idx="1">
+            <a:schemeClr val="accent1"/>
+          </a:lnRef>
+          <a:fillRef idx="0">
+            <a:schemeClr val="accent1"/>
+          </a:fillRef>
+          <a:effectRef idx="0">
+            <a:schemeClr val="accent1"/>
+          </a:effectRef>
+          <a:fontRef idx="minor">
+            <a:schemeClr val="tx1"/>
+          </a:fontRef>
+        </p:style>
+      </p:cxnSp>
+      <p:sp>
+        <p:nvSpPr>
+          <p:cNvPr id="80" name="テキスト ボックス 79">
+            <a:extLst>
+              <a:ext uri="{FF2B5EF4-FFF2-40B4-BE49-F238E27FC236}">
+                <a16:creationId xmlns:a16="http://schemas.microsoft.com/office/drawing/2014/main" id="{B1A69D24-F60C-4804-B12F-D1E0278D33C4}"/>
+              </a:ext>
+            </a:extLst>
+          </p:cNvPr>
+          <p:cNvSpPr txBox="1"/>
+          <p:nvPr/>
+        </p:nvSpPr>
+        <p:spPr>
+          <a:xfrm>
+            <a:off x="4396010" y="2855629"/>
+            <a:ext cx="740908" cy="369332"/>
+          </a:xfrm>
+          <a:prstGeom prst="rect">
+            <a:avLst/>
+          </a:prstGeom>
+          <a:noFill/>
+        </p:spPr>
+        <p:txBody>
+          <a:bodyPr wrap="none" rtlCol="0">
+            <a:spAutoFit/>
+          </a:bodyPr>
+          <a:lstStyle/>
+          <a:p>
+            <a:r>
+              <a:rPr kumimoji="1" lang="en-US" altLang="ja-JP" dirty="0"/>
+              <a:t>GPIO</a:t>
+            </a:r>
+          </a:p>
+        </p:txBody>
+      </p:sp>
+      <p:sp>
+        <p:nvSpPr>
+          <p:cNvPr id="81" name="正方形/長方形 80">
+            <a:extLst>
+              <a:ext uri="{FF2B5EF4-FFF2-40B4-BE49-F238E27FC236}">
+                <a16:creationId xmlns:a16="http://schemas.microsoft.com/office/drawing/2014/main" id="{8AC3F6F0-C825-4D76-8505-011373F63580}"/>
+              </a:ext>
+            </a:extLst>
+          </p:cNvPr>
+          <p:cNvSpPr/>
+          <p:nvPr/>
+        </p:nvSpPr>
+        <p:spPr>
+          <a:xfrm>
+            <a:off x="3113903" y="3312220"/>
+            <a:ext cx="271848" cy="247135"/>
+          </a:xfrm>
+          <a:prstGeom prst="rect">
+            <a:avLst/>
+          </a:prstGeom>
+          <a:noFill/>
+        </p:spPr>
+        <p:style>
+          <a:lnRef idx="2">
+            <a:schemeClr val="accent1">
+              <a:shade val="50000"/>
+            </a:schemeClr>
+          </a:lnRef>
+          <a:fillRef idx="1">
+            <a:schemeClr val="accent1"/>
+          </a:fillRef>
+          <a:effectRef idx="0">
+            <a:schemeClr val="accent1"/>
+          </a:effectRef>
+          <a:fontRef idx="minor">
+            <a:schemeClr val="lt1"/>
+          </a:fontRef>
+        </p:style>
+        <p:txBody>
+          <a:bodyPr rtlCol="0" anchor="ctr"/>
+          <a:lstStyle/>
+          <a:p>
+            <a:pPr algn="ctr"/>
+            <a:r>
+              <a:rPr kumimoji="1" lang="en-US" altLang="ja-JP" dirty="0">
+                <a:solidFill>
+                  <a:schemeClr val="tx1"/>
+                </a:solidFill>
+              </a:rPr>
+              <a:t>S</a:t>
+            </a:r>
+            <a:endParaRPr kumimoji="1" lang="ja-JP" altLang="en-US" dirty="0">
+              <a:solidFill>
+                <a:schemeClr val="tx1"/>
+              </a:solidFill>
+            </a:endParaRPr>
+          </a:p>
+        </p:txBody>
+      </p:sp>
+      <p:cxnSp>
+        <p:nvCxnSpPr>
+          <p:cNvPr id="82" name="直線コネクタ 81">
+            <a:extLst>
+              <a:ext uri="{FF2B5EF4-FFF2-40B4-BE49-F238E27FC236}">
+                <a16:creationId xmlns:a16="http://schemas.microsoft.com/office/drawing/2014/main" id="{0D0F832F-1198-42B0-BFB9-0D61908A8824}"/>
+              </a:ext>
+            </a:extLst>
+          </p:cNvPr>
+          <p:cNvCxnSpPr>
+            <a:endCxn id="81" idx="1"/>
+          </p:cNvCxnSpPr>
+          <p:nvPr/>
+        </p:nvCxnSpPr>
+        <p:spPr>
+          <a:xfrm>
+            <a:off x="2236573" y="3435787"/>
+            <a:ext cx="877330" cy="1"/>
+          </a:xfrm>
+          <a:prstGeom prst="line">
+            <a:avLst/>
+          </a:prstGeom>
+        </p:spPr>
+        <p:style>
+          <a:lnRef idx="1">
+            <a:schemeClr val="accent1"/>
+          </a:lnRef>
+          <a:fillRef idx="0">
+            <a:schemeClr val="accent1"/>
+          </a:fillRef>
+          <a:effectRef idx="0">
+            <a:schemeClr val="accent1"/>
+          </a:effectRef>
+          <a:fontRef idx="minor">
+            <a:schemeClr val="tx1"/>
+          </a:fontRef>
+        </p:style>
+      </p:cxnSp>
+      <p:cxnSp>
+        <p:nvCxnSpPr>
+          <p:cNvPr id="83" name="直線コネクタ 82">
+            <a:extLst>
+              <a:ext uri="{FF2B5EF4-FFF2-40B4-BE49-F238E27FC236}">
+                <a16:creationId xmlns:a16="http://schemas.microsoft.com/office/drawing/2014/main" id="{25B3F2EF-C626-4099-B656-C362004A0F7B}"/>
+              </a:ext>
+            </a:extLst>
+          </p:cNvPr>
+          <p:cNvCxnSpPr>
+            <a:cxnSpLocks/>
+          </p:cNvCxnSpPr>
+          <p:nvPr/>
+        </p:nvCxnSpPr>
+        <p:spPr>
+          <a:xfrm>
+            <a:off x="3385751" y="3435787"/>
+            <a:ext cx="914400" cy="0"/>
+          </a:xfrm>
+          <a:prstGeom prst="line">
+            <a:avLst/>
+          </a:prstGeom>
+        </p:spPr>
+        <p:style>
+          <a:lnRef idx="1">
+            <a:schemeClr val="accent1"/>
+          </a:lnRef>
+          <a:fillRef idx="0">
+            <a:schemeClr val="accent1"/>
+          </a:fillRef>
+          <a:effectRef idx="0">
+            <a:schemeClr val="accent1"/>
+          </a:effectRef>
+          <a:fontRef idx="minor">
+            <a:schemeClr val="tx1"/>
+          </a:fontRef>
+        </p:style>
+      </p:cxnSp>
+      <p:sp>
+        <p:nvSpPr>
+          <p:cNvPr id="84" name="テキスト ボックス 83">
+            <a:extLst>
+              <a:ext uri="{FF2B5EF4-FFF2-40B4-BE49-F238E27FC236}">
+                <a16:creationId xmlns:a16="http://schemas.microsoft.com/office/drawing/2014/main" id="{CAF20981-5896-446A-8E23-6A98460CEB69}"/>
+              </a:ext>
+            </a:extLst>
+          </p:cNvPr>
+          <p:cNvSpPr txBox="1"/>
+          <p:nvPr/>
+        </p:nvSpPr>
+        <p:spPr>
+          <a:xfrm>
+            <a:off x="4396010" y="3251121"/>
+            <a:ext cx="740908" cy="369332"/>
+          </a:xfrm>
+          <a:prstGeom prst="rect">
+            <a:avLst/>
+          </a:prstGeom>
+          <a:noFill/>
+        </p:spPr>
+        <p:txBody>
+          <a:bodyPr wrap="none" rtlCol="0">
+            <a:spAutoFit/>
+          </a:bodyPr>
+          <a:lstStyle/>
+          <a:p>
+            <a:r>
+              <a:rPr kumimoji="1" lang="en-US" altLang="ja-JP" dirty="0"/>
+              <a:t>GPIO</a:t>
+            </a:r>
           </a:p>
         </p:txBody>
       </p:sp>
